--- a/WDS trainer presentation - Cognitive Services and deep learning.pptx
+++ b/WDS trainer presentation - Cognitive Services and deep learning.pptx
@@ -233,7 +233,7 @@
           <a:p>
             <a:fld id="{52A13B17-C506-4D51-BB37-16B365906619}" type="datetimeFigureOut">
               <a:rPr lang="en-US" smtClean="0"/>
-              <a:t>6/26/2018</a:t>
+              <a:t>1/7/2019</a:t>
             </a:fld>
             <a:endParaRPr lang="en-US" dirty="0"/>
           </a:p>
@@ -1125,25 +1125,8 @@
             <a:endParaRPr lang="en-US" dirty="0"/>
           </a:p>
           <a:p>
-            <a:pPr marL="0" marR="0" lvl="0" indent="0" algn="l" defTabSz="914400" rtl="0" eaLnBrk="1" fontAlgn="auto" latinLnBrk="0" hangingPunct="1">
-              <a:lnSpc>
-                <a:spcPct val="100000"/>
-              </a:lnSpc>
-              <a:spcBef>
-                <a:spcPts val="0"/>
-              </a:spcBef>
-              <a:spcAft>
-                <a:spcPts val="0"/>
-              </a:spcAft>
-              <a:buClrTx/>
-              <a:buSzTx/>
-              <a:buFontTx/>
-              <a:buNone/>
-              <a:tabLst/>
-              <a:defRPr/>
-            </a:pPr>
-            <a:r>
-              <a:rPr lang="en-US" sz="1200" kern="1200" dirty="0">
+            <a:r>
+              <a:rPr lang="en-US" sz="1200" b="0" kern="1200" dirty="0">
                 <a:solidFill>
                   <a:schemeClr val="tx1"/>
                 </a:solidFill>
@@ -1152,11 +1135,8 @@
                 <a:ea typeface="+mn-ea"/>
                 <a:cs typeface="+mn-cs"/>
               </a:rPr>
-              <a:t>The claim image processing functions would invoke the Computer Vision Cognitive Service for automatically creating the caption and the tags from any supplied claim images. A mixture of pre-built AI in the form of Cognitive Services and custom AI in the form of Azure ML services would be used to process the claim text. Azure Functions would be used to coordinate the calls to the classifications and summary AI services which would run as containerized web services in Azure Container Service, while the Text Analytics API could be invoked directly to provide a sentiment score for each claim text. </a:t>
-            </a:r>
-            <a:endParaRPr lang="en-US" dirty="0">
-              <a:effectLst/>
-            </a:endParaRPr>
+              <a:t>The claim image processing functions would invoke the Computer Vision Cognitive Service for automatically creating the caption and the tags from any supplied claim images. A mixture of pre-built AI, in the form of Cognitive Services and custom AI in the form of Azure ML services, would be used to process the claim text. The models used for processing the claims text would be trained in Azure Databricks notebooks. These models could also then be directly deployed from Azure Databricks using the Azure Machine Learning Service Python SDK. Azure Functions would be used to coordinate the calls to the classifications and summary AI services, which would run as containerized web services in Azure Container Service, while the Text Analytics API could be invoked directly to provide a sentiment score for each claim text.</a:t>
+            </a:r>
           </a:p>
           <a:p>
             <a:endParaRPr lang="en-US" dirty="0"/>
@@ -3013,7 +2993,7 @@
                   <a:prstClr val="black"/>
                 </a:solidFill>
               </a:rPr>
-              <a:t>6/26/2018 3:20 PM</a:t>
+              <a:t>1/7/2019 4:10 PM</a:t>
             </a:fld>
             <a:endParaRPr lang="en-US" dirty="0">
               <a:solidFill>
@@ -16693,15 +16673,6 @@
               </a:rPr>
               <a:t>Preferred target audience</a:t>
             </a:r>
-            <a:r>
-              <a:rPr lang="en-US" dirty="0">
-                <a:solidFill>
-                  <a:schemeClr val="tx1"/>
-                </a:solidFill>
-                <a:latin typeface="Segoe UI" panose="020B0502040204020203" pitchFamily="34" charset="0"/>
-              </a:rPr>
-              <a:t/>
-            </a:r>
             <a:br>
               <a:rPr lang="en-US" dirty="0">
                 <a:solidFill>
@@ -16850,7 +16821,7 @@
           <a:lstStyle/>
           <a:p>
             <a:r>
-              <a:rPr lang="en-US" sz="4400" dirty="0" smtClean="0">
+              <a:rPr lang="en-US" sz="4400" dirty="0">
                 <a:solidFill>
                   <a:schemeClr val="tx1"/>
                 </a:solidFill>
@@ -16858,7 +16829,7 @@
               <a:t>Preferred solution</a:t>
             </a:r>
             <a:br>
-              <a:rPr lang="en-US" sz="4400" dirty="0" smtClean="0">
+              <a:rPr lang="en-US" sz="4400" dirty="0">
                 <a:solidFill>
                   <a:schemeClr val="tx1"/>
                 </a:solidFill>
@@ -16927,24 +16898,15 @@
           </a:lstStyle>
           <a:p>
             <a:r>
-              <a:rPr lang="en-US" sz="3600" dirty="0" smtClean="0">
+              <a:rPr lang="en-US" sz="3600" dirty="0">
                 <a:solidFill>
                   <a:schemeClr val="tx1"/>
                 </a:solidFill>
               </a:rPr>
               <a:t>High-level architecture</a:t>
             </a:r>
-            <a:r>
-              <a:rPr lang="en-US" sz="3600" dirty="0" smtClean="0">
-                <a:solidFill>
-                  <a:schemeClr val="tx1"/>
-                </a:solidFill>
-                <a:latin typeface="Segoe UI" panose="020B0502040204020203" pitchFamily="34" charset="0"/>
-              </a:rPr>
-              <a:t/>
-            </a:r>
             <a:br>
-              <a:rPr lang="en-US" sz="3600" dirty="0" smtClean="0">
+              <a:rPr lang="en-US" sz="3600" dirty="0">
                 <a:solidFill>
                   <a:schemeClr val="tx1"/>
                 </a:solidFill>
@@ -16962,7 +16924,7 @@
       </p:sp>
       <p:pic>
         <p:nvPicPr>
-          <p:cNvPr id="6" name="Picture 5" descr="The High-level architectural solution begins with a Claim, which points to Jupyter notebook. Jupyter then points to Computer Vision, Text Analytics, and Containerized Services, which includes a Classification Service and a Summary Service that both process claim text." title="High-level architectural solution">
+          <p:cNvPr id="6" name="Picture 5" descr="High level architecture diagram. &#10;&#10;The claim image processing functions would invoke the Computer Vision Cognitive Service for automatically creating the caption and the tags from any supplied claim images. A mixture of pre-built AI, in the form of Cognitive Services and custom AI in the form of Azure ML services, would be used to process the claim text. The models used for processing the claims text would be trained in Azure Databricks notebooks. These models could also then be directly deployed from Azure Databricks using the Azure Machine Learning Service Python SDK. Azure Functions would be used to coordinate the calls to the classifications and summary AI services, which would run as containerized web services in Azure Container Service, while the Text Analytics API could be invoked directly to provide a sentiment score for each claim text.&#10;">
             <a:extLst>
               <a:ext uri="{FF2B5EF4-FFF2-40B4-BE49-F238E27FC236}">
                 <a16:creationId xmlns:a16="http://schemas.microsoft.com/office/drawing/2014/main" id="{8D481AAC-CA4B-4D8B-9D20-259D4C186C9B}"/>
@@ -16973,15 +16935,21 @@
           <p:nvPr/>
         </p:nvPicPr>
         <p:blipFill>
-          <a:blip r:embed="rId3"/>
+          <a:blip r:embed="rId3">
+            <a:extLst>
+              <a:ext uri="{28A0092B-C50C-407E-A947-70E740481C1C}">
+                <a14:useLocalDpi xmlns:a14="http://schemas.microsoft.com/office/drawing/2010/main" val="0"/>
+              </a:ext>
+            </a:extLst>
+          </a:blip>
           <a:stretch>
             <a:fillRect/>
           </a:stretch>
         </p:blipFill>
         <p:spPr>
           <a:xfrm>
-            <a:off x="1293996" y="1801317"/>
-            <a:ext cx="5386552" cy="4859867"/>
+            <a:off x="1293996" y="1821477"/>
+            <a:ext cx="5386552" cy="4819546"/>
           </a:xfrm>
           <a:prstGeom prst="rect">
             <a:avLst/>
@@ -17100,16 +17068,7 @@
                 </a:solidFill>
                 <a:cs typeface="Segoe UI" panose="020B0502040204020203" pitchFamily="34" charset="0"/>
               </a:rPr>
-              <a:t>Preferred </a:t>
-            </a:r>
-            <a:r>
-              <a:rPr lang="en-US" sz="4900" dirty="0" smtClean="0">
-                <a:solidFill>
-                  <a:schemeClr val="tx1"/>
-                </a:solidFill>
-                <a:cs typeface="Segoe UI" panose="020B0502040204020203" pitchFamily="34" charset="0"/>
-              </a:rPr>
-              <a:t>solution</a:t>
+              <a:t>Preferred solution</a:t>
             </a:r>
             <a:endParaRPr lang="en-US" sz="3236" dirty="0">
               <a:solidFill>
@@ -17174,7 +17133,7 @@
           </a:lstStyle>
           <a:p>
             <a:r>
-              <a:rPr lang="en-US" sz="3600" dirty="0" smtClean="0">
+              <a:rPr lang="en-US" sz="3600" dirty="0">
                 <a:solidFill>
                   <a:schemeClr val="tx1"/>
                 </a:solidFill>
@@ -17182,12 +17141,6 @@
               </a:rPr>
               <a:t>Classifying claim-text data</a:t>
             </a:r>
-            <a:endParaRPr lang="en-US" sz="3600" dirty="0">
-              <a:solidFill>
-                <a:schemeClr val="tx1"/>
-              </a:solidFill>
-              <a:latin typeface="+mn-lt"/>
-            </a:endParaRPr>
           </a:p>
         </p:txBody>
       </p:sp>
@@ -17332,15 +17285,7 @@
                   <a:schemeClr val="tx1"/>
                 </a:solidFill>
               </a:rPr>
-              <a:t>Preferred </a:t>
-            </a:r>
-            <a:r>
-              <a:rPr lang="en-US" sz="4900" dirty="0" smtClean="0">
-                <a:solidFill>
-                  <a:schemeClr val="tx1"/>
-                </a:solidFill>
-              </a:rPr>
-              <a:t>solution</a:t>
+              <a:t>Preferred solution</a:t>
             </a:r>
             <a:endParaRPr lang="en-US" sz="3236" dirty="0">
               <a:solidFill>
@@ -17405,7 +17350,7 @@
           </a:lstStyle>
           <a:p>
             <a:r>
-              <a:rPr lang="en-US" sz="3600" dirty="0" smtClean="0">
+              <a:rPr lang="en-US" sz="3600" dirty="0">
                 <a:solidFill>
                   <a:schemeClr val="tx1"/>
                 </a:solidFill>
@@ -17413,12 +17358,6 @@
               </a:rPr>
               <a:t>Classifying claim-text data</a:t>
             </a:r>
-            <a:endParaRPr lang="en-US" sz="3600" dirty="0">
-              <a:solidFill>
-                <a:schemeClr val="tx1"/>
-              </a:solidFill>
-              <a:latin typeface="+mn-lt"/>
-            </a:endParaRPr>
           </a:p>
         </p:txBody>
       </p:sp>
@@ -17453,18 +17392,10 @@
                   <a:schemeClr val="tx1"/>
                 </a:solidFill>
               </a:rPr>
-              <a:t>What data would they need to train the model</a:t>
-            </a:r>
-            <a:r>
-              <a:rPr lang="en-US" sz="2800" dirty="0" smtClean="0">
-                <a:solidFill>
-                  <a:schemeClr val="tx1"/>
-                </a:solidFill>
-              </a:rPr>
-              <a:t>?</a:t>
+              <a:t>What data would they need to train the model?</a:t>
             </a:r>
             <a:br>
-              <a:rPr lang="en-US" sz="2800" dirty="0" smtClean="0">
+              <a:rPr lang="en-US" sz="2800" dirty="0">
                 <a:solidFill>
                   <a:schemeClr val="tx1"/>
                 </a:solidFill>
@@ -17478,22 +17409,13 @@
           </a:p>
           <a:p>
             <a:r>
-              <a:rPr lang="en-US" sz="2400" dirty="0" smtClean="0">
-                <a:solidFill>
-                  <a:schemeClr val="tx1"/>
-                </a:solidFill>
-                <a:latin typeface="+mn-lt"/>
-              </a:rPr>
-              <a:t>Contoso </a:t>
-            </a:r>
-            <a:r>
               <a:rPr lang="en-US" sz="2400" dirty="0">
                 <a:solidFill>
                   <a:schemeClr val="tx1"/>
                 </a:solidFill>
                 <a:latin typeface="+mn-lt"/>
               </a:rPr>
-              <a:t>would need to have a certain amount of historical claim text and have it labeled as home or auto in order to train a model.</a:t>
+              <a:t>Contoso would need to have a certain amount of historical claim text and have it labeled as home or auto in order to train a model.</a:t>
             </a:r>
           </a:p>
           <a:p>
@@ -17515,16 +17437,8 @@
               </a:rPr>
               <a:t>Could they use a Deep Neural Networks (DNN) for this? </a:t>
             </a:r>
-            <a:r>
-              <a:rPr lang="en-US" sz="2800" dirty="0" smtClean="0">
-                <a:solidFill>
-                  <a:schemeClr val="tx1"/>
-                </a:solidFill>
-              </a:rPr>
-              <a:t/>
-            </a:r>
             <a:br>
-              <a:rPr lang="en-US" sz="2800" dirty="0" smtClean="0">
+              <a:rPr lang="en-US" sz="2800" dirty="0">
                 <a:solidFill>
                   <a:schemeClr val="tx1"/>
                 </a:solidFill>
@@ -17538,20 +17452,12 @@
           </a:p>
           <a:p>
             <a:r>
-              <a:rPr lang="en-US" sz="2400" dirty="0" smtClean="0">
-                <a:solidFill>
-                  <a:schemeClr val="tx1"/>
-                </a:solidFill>
-              </a:rPr>
-              <a:t>Yes</a:t>
-            </a:r>
-            <a:r>
               <a:rPr lang="en-US" sz="2400" dirty="0">
                 <a:solidFill>
                   <a:schemeClr val="tx1"/>
                 </a:solidFill>
               </a:rPr>
-              <a:t>, they could build a DNN that performs classification against the document tensors (or vectors of word frequencies).</a:t>
+              <a:t>Yes, they could build a DNN that performs classification against the document tensors (or vectors of word frequencies).</a:t>
             </a:r>
             <a:br>
               <a:rPr lang="en-US" sz="2400" dirty="0">
@@ -17655,15 +17561,7 @@
                   <a:schemeClr val="tx1"/>
                 </a:solidFill>
               </a:rPr>
-              <a:t>Preferred </a:t>
-            </a:r>
-            <a:r>
-              <a:rPr lang="en-US" sz="4900" dirty="0" smtClean="0">
-                <a:solidFill>
-                  <a:schemeClr val="tx1"/>
-                </a:solidFill>
-              </a:rPr>
-              <a:t>solution</a:t>
+              <a:t>Preferred solution</a:t>
             </a:r>
             <a:endParaRPr lang="en-US" sz="3236" dirty="0">
               <a:solidFill>
@@ -17728,7 +17626,7 @@
           </a:lstStyle>
           <a:p>
             <a:r>
-              <a:rPr lang="en-US" sz="3600" dirty="0" smtClean="0">
+              <a:rPr lang="en-US" sz="3600" dirty="0">
                 <a:solidFill>
                   <a:schemeClr val="tx1"/>
                 </a:solidFill>
@@ -17736,12 +17634,6 @@
               </a:rPr>
               <a:t>Classifying claim-text data</a:t>
             </a:r>
-            <a:endParaRPr lang="en-US" sz="3600" dirty="0">
-              <a:solidFill>
-                <a:schemeClr val="tx1"/>
-              </a:solidFill>
-              <a:latin typeface="+mn-lt"/>
-            </a:endParaRPr>
           </a:p>
         </p:txBody>
       </p:sp>
@@ -17771,7 +17663,7 @@
               <a:buNone/>
             </a:pPr>
             <a:r>
-              <a:rPr lang="en-US" sz="2800" dirty="0" smtClean="0">
+              <a:rPr lang="en-US" sz="2800" dirty="0">
                 <a:solidFill>
                   <a:schemeClr val="tx1"/>
                 </a:solidFill>
@@ -17779,7 +17671,7 @@
               <a:t>Would </a:t>
             </a:r>
             <a:r>
-              <a:rPr lang="en-US" sz="2800" dirty="0" err="1" smtClean="0">
+              <a:rPr lang="en-US" sz="2800" dirty="0" err="1">
                 <a:solidFill>
                   <a:schemeClr val="tx1"/>
                 </a:solidFill>
@@ -17787,7 +17679,7 @@
               <a:t>TFLearn</a:t>
             </a:r>
             <a:r>
-              <a:rPr lang="en-US" sz="2800" dirty="0" smtClean="0">
+              <a:rPr lang="en-US" sz="2800" dirty="0">
                 <a:solidFill>
                   <a:schemeClr val="tx1"/>
                 </a:solidFill>
@@ -17795,7 +17687,7 @@
               <a:t> provide a good starting point for them to work with DNN’s and </a:t>
             </a:r>
             <a:r>
-              <a:rPr lang="en-US" sz="2800" dirty="0" err="1" smtClean="0">
+              <a:rPr lang="en-US" sz="2800" dirty="0" err="1">
                 <a:solidFill>
                   <a:schemeClr val="tx1"/>
                 </a:solidFill>
@@ -17803,7 +17695,7 @@
               <a:t>TensorFlow</a:t>
             </a:r>
             <a:r>
-              <a:rPr lang="en-US" sz="2800" dirty="0" smtClean="0">
+              <a:rPr lang="en-US" sz="2800" dirty="0">
                 <a:solidFill>
                   <a:schemeClr val="tx1"/>
                 </a:solidFill>
@@ -17811,48 +17703,19 @@
               <a:t>?</a:t>
             </a:r>
             <a:br>
-              <a:rPr lang="en-US" sz="2800" dirty="0" smtClean="0">
+              <a:rPr lang="en-US" sz="2800" dirty="0">
                 <a:solidFill>
                   <a:schemeClr val="tx1"/>
                 </a:solidFill>
               </a:rPr>
             </a:br>
-            <a:endParaRPr lang="en-US" sz="2800" dirty="0" smtClean="0">
+            <a:endParaRPr lang="en-US" sz="2800" dirty="0">
               <a:solidFill>
                 <a:schemeClr val="tx1"/>
               </a:solidFill>
             </a:endParaRPr>
           </a:p>
           <a:p>
-            <a:r>
-              <a:rPr lang="en-US" sz="2400" dirty="0" smtClean="0">
-                <a:solidFill>
-                  <a:schemeClr val="tx1"/>
-                </a:solidFill>
-                <a:latin typeface="+mn-lt"/>
-              </a:rPr>
-              <a:t>Yes</a:t>
-            </a:r>
-          </a:p>
-          <a:p>
-            <a:r>
-              <a:rPr lang="en-US" sz="2400" dirty="0" err="1" smtClean="0">
-                <a:solidFill>
-                  <a:schemeClr val="tx1"/>
-                </a:solidFill>
-                <a:latin typeface="+mn-lt"/>
-              </a:rPr>
-              <a:t>TensorFlow</a:t>
-            </a:r>
-            <a:r>
-              <a:rPr lang="en-US" sz="2400" dirty="0" smtClean="0">
-                <a:solidFill>
-                  <a:schemeClr val="tx1"/>
-                </a:solidFill>
-                <a:latin typeface="+mn-lt"/>
-              </a:rPr>
-              <a:t> </a:t>
-            </a:r>
             <a:r>
               <a:rPr lang="en-US" sz="2400" dirty="0">
                 <a:solidFill>
@@ -17860,25 +17723,19 @@
                 </a:solidFill>
                 <a:latin typeface="+mn-lt"/>
               </a:rPr>
-              <a:t>is a robust framework for performing machine learning, including building neural </a:t>
-            </a:r>
-            <a:r>
-              <a:rPr lang="en-US" sz="2400" dirty="0" smtClean="0">
+              <a:t>Yes</a:t>
+            </a:r>
+          </a:p>
+          <a:p>
+            <a:r>
+              <a:rPr lang="en-US" sz="2400" dirty="0" err="1">
                 <a:solidFill>
                   <a:schemeClr val="tx1"/>
                 </a:solidFill>
                 <a:latin typeface="+mn-lt"/>
               </a:rPr>
-              <a:t>networks</a:t>
-            </a:r>
-            <a:endParaRPr lang="en-US" sz="2400" dirty="0">
-              <a:solidFill>
-                <a:schemeClr val="tx1"/>
-              </a:solidFill>
-              <a:latin typeface="+mn-lt"/>
-            </a:endParaRPr>
-          </a:p>
-          <a:p>
+              <a:t>TensorFlow</a:t>
+            </a:r>
             <a:r>
               <a:rPr lang="en-US" sz="2400" dirty="0">
                 <a:solidFill>
@@ -17886,23 +17743,8 @@
                 </a:solidFill>
                 <a:latin typeface="+mn-lt"/>
               </a:rPr>
-              <a:t>The TFLearn library builds upon TensorFlow and provides an easy-to-use and understand high-level API for implementing deep neural networks, complete with tutorials and </a:t>
-            </a:r>
-            <a:r>
-              <a:rPr lang="en-US" sz="2400" dirty="0" smtClean="0">
-                <a:solidFill>
-                  <a:schemeClr val="tx1"/>
-                </a:solidFill>
-                <a:latin typeface="+mn-lt"/>
-              </a:rPr>
-              <a:t>examples</a:t>
-            </a:r>
-            <a:endParaRPr lang="en-US" sz="2400" dirty="0">
-              <a:solidFill>
-                <a:schemeClr val="tx1"/>
-              </a:solidFill>
-              <a:latin typeface="+mn-lt"/>
-            </a:endParaRPr>
+              <a:t> is a robust framework for performing machine learning, including building neural networks</a:t>
+            </a:r>
           </a:p>
           <a:p>
             <a:r>
@@ -17912,34 +17754,10 @@
                 </a:solidFill>
                 <a:latin typeface="+mn-lt"/>
               </a:rPr>
-              <a:t>Models built with TFLearn are TensorFlow models, so if they choose to move fully towards the lower level TensorFlow API’s they could do so without having to </a:t>
-            </a:r>
-            <a:r>
-              <a:rPr lang="en-US" sz="2400" dirty="0" smtClean="0">
-                <a:solidFill>
-                  <a:schemeClr val="tx1"/>
-                </a:solidFill>
-                <a:latin typeface="+mn-lt"/>
-              </a:rPr>
-              <a:t/>
-            </a:r>
-            <a:br>
-              <a:rPr lang="en-US" sz="2400" dirty="0" smtClean="0">
-                <a:solidFill>
-                  <a:schemeClr val="tx1"/>
-                </a:solidFill>
-                <a:latin typeface="+mn-lt"/>
-              </a:rPr>
-            </a:br>
-            <a:r>
-              <a:rPr lang="en-US" sz="2400" dirty="0" smtClean="0">
-                <a:solidFill>
-                  <a:schemeClr val="tx1"/>
-                </a:solidFill>
-                <a:latin typeface="+mn-lt"/>
-              </a:rPr>
-              <a:t>re-create </a:t>
-            </a:r>
+              <a:t>The TFLearn library builds upon TensorFlow and provides an easy-to-use and understand high-level API for implementing deep neural networks, complete with tutorials and examples</a:t>
+            </a:r>
+          </a:p>
+          <a:p>
             <a:r>
               <a:rPr lang="en-US" sz="2400" dirty="0">
                 <a:solidFill>
@@ -17947,23 +17765,25 @@
                 </a:solidFill>
                 <a:latin typeface="+mn-lt"/>
               </a:rPr>
-              <a:t>the </a:t>
-            </a:r>
-            <a:r>
-              <a:rPr lang="en-US" sz="2400" dirty="0" smtClean="0">
+              <a:t>Models built with TFLearn are TensorFlow models, so if they choose to move fully towards the lower level TensorFlow API’s they could do so without having to </a:t>
+            </a:r>
+            <a:br>
+              <a:rPr lang="en-US" sz="2400" dirty="0">
                 <a:solidFill>
                   <a:schemeClr val="tx1"/>
                 </a:solidFill>
                 <a:latin typeface="+mn-lt"/>
               </a:rPr>
-              <a:t>models</a:t>
-            </a:r>
-            <a:endParaRPr lang="en-US" sz="2400" dirty="0">
-              <a:solidFill>
-                <a:schemeClr val="tx1"/>
-              </a:solidFill>
-              <a:latin typeface="+mn-lt"/>
-            </a:endParaRPr>
+            </a:br>
+            <a:r>
+              <a:rPr lang="en-US" sz="2400" dirty="0">
+                <a:solidFill>
+                  <a:schemeClr val="tx1"/>
+                </a:solidFill>
+                <a:latin typeface="+mn-lt"/>
+              </a:rPr>
+              <a:t>re-create the models</a:t>
+            </a:r>
           </a:p>
           <a:p>
             <a:pPr marL="0" indent="0">
@@ -18054,24 +17874,7 @@
                   <a:schemeClr val="tx1"/>
                 </a:solidFill>
               </a:rPr>
-              <a:t>Preferred </a:t>
-            </a:r>
-            <a:r>
-              <a:rPr lang="en-US" sz="4900" dirty="0" smtClean="0">
-                <a:solidFill>
-                  <a:schemeClr val="tx1"/>
-                </a:solidFill>
-              </a:rPr>
-              <a:t>solution</a:t>
-            </a:r>
-            <a:r>
-              <a:rPr lang="en-US" dirty="0">
-                <a:solidFill>
-                  <a:schemeClr val="tx1"/>
-                </a:solidFill>
-                <a:latin typeface="Segoe UI" panose="020B0502040204020203" pitchFamily="34" charset="0"/>
-              </a:rPr>
-              <a:t/>
+              <a:t>Preferred solution</a:t>
             </a:r>
             <a:br>
               <a:rPr lang="en-US" dirty="0">
@@ -18144,7 +17947,7 @@
           </a:lstStyle>
           <a:p>
             <a:r>
-              <a:rPr lang="en-US" sz="3600" dirty="0" smtClean="0">
+              <a:rPr lang="en-US" sz="3600" dirty="0">
                 <a:solidFill>
                   <a:schemeClr val="tx1"/>
                 </a:solidFill>
@@ -18152,12 +17955,6 @@
               </a:rPr>
               <a:t>Classifying claim-text data</a:t>
             </a:r>
-            <a:endParaRPr lang="en-US" sz="3600" dirty="0">
-              <a:solidFill>
-                <a:schemeClr val="tx1"/>
-              </a:solidFill>
-              <a:latin typeface="+mn-lt"/>
-            </a:endParaRPr>
           </a:p>
         </p:txBody>
       </p:sp>
@@ -18187,37 +17984,21 @@
               <a:buNone/>
             </a:pPr>
             <a:r>
-              <a:rPr lang="en-US" sz="2800" dirty="0" smtClean="0">
-                <a:solidFill>
-                  <a:schemeClr val="tx1"/>
-                </a:solidFill>
-              </a:rPr>
-              <a:t>What </a:t>
-            </a:r>
-            <a:r>
               <a:rPr lang="en-US" sz="2800" dirty="0">
                 <a:solidFill>
                   <a:schemeClr val="tx1"/>
                 </a:solidFill>
               </a:rPr>
-              <a:t>would a very simple DNN that performs this classification look like? </a:t>
-            </a:r>
-            <a:r>
-              <a:rPr lang="en-US" sz="2800" dirty="0" smtClean="0">
+              <a:t>What would a very simple DNN that performs this classification look like? </a:t>
+            </a:r>
+            <a:br>
+              <a:rPr lang="en-US" sz="2800" dirty="0">
                 <a:solidFill>
                   <a:schemeClr val="tx1"/>
                 </a:solidFill>
               </a:rPr>
-              <a:t/>
-            </a:r>
-            <a:br>
-              <a:rPr lang="en-US" sz="2800" dirty="0" smtClean="0">
-                <a:solidFill>
-                  <a:schemeClr val="tx1"/>
-                </a:solidFill>
-              </a:rPr>
             </a:br>
-            <a:endParaRPr lang="en-US" sz="2800" dirty="0" smtClean="0">
+            <a:endParaRPr lang="en-US" sz="2800" dirty="0">
               <a:solidFill>
                 <a:schemeClr val="tx1"/>
               </a:solidFill>
@@ -18228,20 +18009,12 @@
               <a:buNone/>
             </a:pPr>
             <a:r>
-              <a:rPr lang="en-US" sz="2800" dirty="0" smtClean="0">
-                <a:solidFill>
-                  <a:schemeClr val="tx1"/>
-                </a:solidFill>
-              </a:rPr>
-              <a:t>Sketch </a:t>
-            </a:r>
-            <a:r>
               <a:rPr lang="en-US" sz="2800" dirty="0">
                 <a:solidFill>
                   <a:schemeClr val="tx1"/>
                 </a:solidFill>
               </a:rPr>
-              <a:t>the graph of input nodes, hidden layer nodes, and output nodes.</a:t>
+              <a:t>Sketch the graph of input nodes, hidden layer nodes, and output nodes.</a:t>
             </a:r>
           </a:p>
           <a:p>
@@ -18369,15 +18142,7 @@
                   <a:schemeClr val="tx1"/>
                 </a:solidFill>
               </a:rPr>
-              <a:t>Preferred </a:t>
-            </a:r>
-            <a:r>
-              <a:rPr lang="en-US" sz="4400" dirty="0" smtClean="0">
-                <a:solidFill>
-                  <a:schemeClr val="tx1"/>
-                </a:solidFill>
-              </a:rPr>
-              <a:t>solution</a:t>
+              <a:t>Preferred solution</a:t>
             </a:r>
             <a:endParaRPr lang="en-US" sz="4400" dirty="0">
               <a:solidFill>
@@ -18442,7 +18207,7 @@
           </a:lstStyle>
           <a:p>
             <a:r>
-              <a:rPr lang="en-US" sz="3600" dirty="0" smtClean="0">
+              <a:rPr lang="en-US" sz="3600" dirty="0">
                 <a:solidFill>
                   <a:schemeClr val="tx1"/>
                 </a:solidFill>
@@ -18450,12 +18215,6 @@
               </a:rPr>
               <a:t>Classifying claim-text data</a:t>
             </a:r>
-            <a:endParaRPr lang="en-US" sz="3600" dirty="0">
-              <a:solidFill>
-                <a:schemeClr val="tx1"/>
-              </a:solidFill>
-              <a:latin typeface="+mn-lt"/>
-            </a:endParaRPr>
           </a:p>
         </p:txBody>
       </p:sp>
@@ -18485,22 +18244,13 @@
               <a:buNone/>
             </a:pPr>
             <a:r>
-              <a:rPr lang="en-US" sz="2800" dirty="0" err="1" smtClean="0">
+              <a:rPr lang="en-US" sz="2800" dirty="0" err="1">
                 <a:solidFill>
                   <a:schemeClr val="tx1"/>
                 </a:solidFill>
                 <a:latin typeface="+mn-lt"/>
               </a:rPr>
               <a:t>Psuedo</a:t>
-            </a:r>
-            <a:r>
-              <a:rPr lang="en-US" sz="2800" dirty="0" smtClean="0">
-                <a:solidFill>
-                  <a:schemeClr val="tx1"/>
-                </a:solidFill>
-                <a:latin typeface="+mn-lt"/>
-              </a:rPr>
-              <a:t> </a:t>
             </a:r>
             <a:r>
               <a:rPr lang="en-US" sz="2800" dirty="0">
@@ -18509,10 +18259,10 @@
                 </a:solidFill>
                 <a:latin typeface="+mn-lt"/>
               </a:rPr>
-              <a:t>code of network using </a:t>
-            </a:r>
-            <a:r>
-              <a:rPr lang="en-US" sz="2800" dirty="0" err="1" smtClean="0">
+              <a:t> code of network using </a:t>
+            </a:r>
+            <a:r>
+              <a:rPr lang="en-US" sz="2800" dirty="0" err="1">
                 <a:solidFill>
                   <a:schemeClr val="tx1"/>
                 </a:solidFill>
@@ -18521,7 +18271,7 @@
               <a:t>TFLearn</a:t>
             </a:r>
             <a:r>
-              <a:rPr lang="en-US" sz="2800" dirty="0" smtClean="0">
+              <a:rPr lang="en-US" sz="2800" dirty="0">
                 <a:solidFill>
                   <a:schemeClr val="tx1"/>
                 </a:solidFill>
@@ -18529,12 +18279,6 @@
               </a:rPr>
               <a:t>:</a:t>
             </a:r>
-            <a:endParaRPr lang="en-US" sz="2800" dirty="0">
-              <a:solidFill>
-                <a:schemeClr val="tx1"/>
-              </a:solidFill>
-              <a:latin typeface="+mn-lt"/>
-            </a:endParaRPr>
           </a:p>
           <a:p>
             <a:pPr marL="0" indent="0">
@@ -18765,7 +18509,7 @@
         <p:spPr>
           <a:xfrm>
             <a:off x="269240" y="1189176"/>
-            <a:ext cx="10748129" cy="5029069"/>
+            <a:ext cx="10748129" cy="5059847"/>
           </a:xfrm>
           <a:prstGeom prst="rect">
             <a:avLst/>
@@ -18779,57 +18523,20 @@
           <a:lstStyle/>
           <a:p>
             <a:r>
-              <a:rPr lang="en-US" sz="2000" dirty="0"/>
-              <a:t>In this workshop, you will learn to combine both pre-built artificial intelligence (AI) (in the form of various Cognitive Services) with custom AI (in the form of services built and deployed with Azure Machine Learning services). You will learn to create intelligent solutions atop unstructured text data by designing and implementing a text analytics pipeline. You will also learn how to build a binary classifier using a simple neural network that can be used to classify the textual data. Also, you will learn how to deploy multiple kinds of predictive services using Azure Machine Learning and learn to integrate with the Computer Vision API and the Text Analytics API from Cognitive Services. </a:t>
-            </a:r>
-          </a:p>
-          <a:p>
+              <a:rPr lang="en-US" dirty="0"/>
+              <a:t>In this workshop, you will learn to combine both pre-built artificial intelligence (AI) in the form of various Cognitive Services, with custom AI in the form of services built and deployed with Azure Machine Learning service. You will learn to create intelligent solutions atop unstructured text data by designing and implementing a text analytics pipeline. You will also learn how to build a binary classifier using a simple neural network that can be used to classify the textual data. Also, you will learn how to deploy multiple kinds of predictive services using Azure Machine Learning and learn to integrate with the Computer Vision API and the Text Analytics API from Cognitive Services.</a:t>
+            </a:r>
+          </a:p>
+          <a:p>
+            <a:br>
+              <a:rPr lang="en-US" dirty="0"/>
+            </a:br>
             <a:endParaRPr lang="en-US" dirty="0"/>
           </a:p>
           <a:p>
             <a:r>
               <a:rPr lang="en-US" dirty="0"/>
               <a:t>Along the way, you will get to consider the following technologies and services:</a:t>
-            </a:r>
-          </a:p>
-          <a:p>
-            <a:pPr marL="285750" lvl="0" indent="-285750">
-              <a:buFont typeface="Arial" panose="020B0604020202020204" pitchFamily="34" charset="0"/>
-              <a:buChar char="•"/>
-            </a:pPr>
-            <a:r>
-              <a:rPr lang="en-US" dirty="0"/>
-              <a:t>Azure Machine Learning services</a:t>
-            </a:r>
-          </a:p>
-          <a:p>
-            <a:pPr marL="285750" lvl="0" indent="-285750">
-              <a:buFont typeface="Arial" panose="020B0604020202020204" pitchFamily="34" charset="0"/>
-              <a:buChar char="•"/>
-            </a:pPr>
-            <a:r>
-              <a:rPr lang="en-US" dirty="0"/>
-              <a:t>Cognitive Services</a:t>
-            </a:r>
-          </a:p>
-          <a:p>
-            <a:pPr marL="285750" lvl="0" indent="-285750">
-              <a:buFont typeface="Arial" panose="020B0604020202020204" pitchFamily="34" charset="0"/>
-              <a:buChar char="•"/>
-            </a:pPr>
-            <a:r>
-              <a:rPr lang="en-US" dirty="0"/>
-              <a:t>Computer Vision API</a:t>
-            </a:r>
-          </a:p>
-          <a:p>
-            <a:pPr marL="285750" lvl="0" indent="-285750">
-              <a:buFont typeface="Arial" panose="020B0604020202020204" pitchFamily="34" charset="0"/>
-              <a:buChar char="•"/>
-            </a:pPr>
-            <a:r>
-              <a:rPr lang="en-US" dirty="0"/>
-              <a:t>Text Analytics API</a:t>
             </a:r>
           </a:p>
           <a:p>
@@ -18839,9 +18546,58 @@
             </a:pPr>
             <a:r>
               <a:rPr lang="en-US" dirty="0"/>
-              <a:t>TensorFlow (TF)</a:t>
-            </a:r>
-            <a:endParaRPr lang="en-US" sz="2400" dirty="0"/>
+              <a:t>Azure Machine Learning service</a:t>
+            </a:r>
+          </a:p>
+          <a:p>
+            <a:pPr marL="285750" indent="-285750">
+              <a:buFont typeface="Arial" panose="020B0604020202020204" pitchFamily="34" charset="0"/>
+              <a:buChar char="•"/>
+            </a:pPr>
+            <a:r>
+              <a:rPr lang="en-US" dirty="0"/>
+              <a:t>Azure Databricks</a:t>
+            </a:r>
+          </a:p>
+          <a:p>
+            <a:pPr marL="285750" indent="-285750">
+              <a:buFont typeface="Arial" panose="020B0604020202020204" pitchFamily="34" charset="0"/>
+              <a:buChar char="•"/>
+            </a:pPr>
+            <a:r>
+              <a:rPr lang="en-US" dirty="0"/>
+              <a:t>Cognitive Services</a:t>
+            </a:r>
+          </a:p>
+          <a:p>
+            <a:pPr marL="285750" indent="-285750">
+              <a:buFont typeface="Arial" panose="020B0604020202020204" pitchFamily="34" charset="0"/>
+              <a:buChar char="•"/>
+            </a:pPr>
+            <a:r>
+              <a:rPr lang="en-US" dirty="0"/>
+              <a:t>Computer Vision API</a:t>
+            </a:r>
+          </a:p>
+          <a:p>
+            <a:pPr marL="285750" indent="-285750">
+              <a:buFont typeface="Arial" panose="020B0604020202020204" pitchFamily="34" charset="0"/>
+              <a:buChar char="•"/>
+            </a:pPr>
+            <a:r>
+              <a:rPr lang="en-US" dirty="0"/>
+              <a:t>Text Analytics API</a:t>
+            </a:r>
+          </a:p>
+          <a:p>
+            <a:pPr marL="285750" indent="-285750">
+              <a:buFont typeface="Arial" panose="020B0604020202020204" pitchFamily="34" charset="0"/>
+              <a:buChar char="•"/>
+            </a:pPr>
+            <a:r>
+              <a:rPr lang="en-US" dirty="0"/>
+              <a:t>TensorFlow</a:t>
+            </a:r>
           </a:p>
           <a:p>
             <a:pPr>
@@ -18917,15 +18673,7 @@
                   <a:schemeClr val="tx1"/>
                 </a:solidFill>
               </a:rPr>
-              <a:t>Preferred </a:t>
-            </a:r>
-            <a:r>
-              <a:rPr lang="en-US" sz="4900" dirty="0" smtClean="0">
-                <a:solidFill>
-                  <a:schemeClr val="tx1"/>
-                </a:solidFill>
-              </a:rPr>
-              <a:t>solution</a:t>
+              <a:t>Preferred solution</a:t>
             </a:r>
             <a:endParaRPr lang="en-US" sz="3236" dirty="0">
               <a:solidFill>
@@ -18990,7 +18738,7 @@
           </a:lstStyle>
           <a:p>
             <a:r>
-              <a:rPr lang="en-US" sz="3600" dirty="0" smtClean="0">
+              <a:rPr lang="en-US" sz="3600" dirty="0">
                 <a:solidFill>
                   <a:schemeClr val="tx1"/>
                 </a:solidFill>
@@ -18998,12 +18746,6 @@
               </a:rPr>
               <a:t>Classifying claim-text data</a:t>
             </a:r>
-            <a:endParaRPr lang="en-US" sz="3600" dirty="0">
-              <a:solidFill>
-                <a:schemeClr val="tx1"/>
-              </a:solidFill>
-              <a:latin typeface="+mn-lt"/>
-            </a:endParaRPr>
           </a:p>
         </p:txBody>
       </p:sp>
@@ -19041,7 +18783,7 @@
               <a:t>Psuedo code constructing DNN and fitting model to data using </a:t>
             </a:r>
             <a:r>
-              <a:rPr lang="en-US" sz="2800" dirty="0" err="1" smtClean="0">
+              <a:rPr lang="en-US" sz="2800" dirty="0" err="1">
                 <a:solidFill>
                   <a:schemeClr val="tx1"/>
                 </a:solidFill>
@@ -19049,18 +18791,13 @@
               <a:t>TFLearn</a:t>
             </a:r>
             <a:r>
-              <a:rPr lang="en-US" sz="2800" dirty="0" smtClean="0">
+              <a:rPr lang="en-US" sz="2800" dirty="0">
                 <a:solidFill>
                   <a:schemeClr val="tx1"/>
                 </a:solidFill>
               </a:rPr>
               <a:t>:</a:t>
             </a:r>
-            <a:endParaRPr lang="en-US" sz="2800" dirty="0">
-              <a:solidFill>
-                <a:schemeClr val="tx1"/>
-              </a:solidFill>
-            </a:endParaRPr>
           </a:p>
         </p:txBody>
       </p:sp>
@@ -19368,7 +19105,7 @@
               <a:buNone/>
             </a:pPr>
             <a:r>
-              <a:rPr lang="en-US" sz="2800" dirty="0" err="1" smtClean="0">
+              <a:rPr lang="en-US" sz="2800" dirty="0" err="1">
                 <a:solidFill>
                   <a:schemeClr val="tx1"/>
                 </a:solidFill>
@@ -19376,7 +19113,7 @@
               <a:t>Psuedo</a:t>
             </a:r>
             <a:r>
-              <a:rPr lang="en-US" sz="2800" dirty="0" smtClean="0">
+              <a:rPr lang="en-US" sz="2800" dirty="0">
                 <a:solidFill>
                   <a:schemeClr val="tx1"/>
                 </a:solidFill>
@@ -19384,7 +19121,7 @@
               <a:t> code applying model for prediction using </a:t>
             </a:r>
             <a:r>
-              <a:rPr lang="en-US" sz="2800" dirty="0" err="1" smtClean="0">
+              <a:rPr lang="en-US" sz="2800" dirty="0" err="1">
                 <a:solidFill>
                   <a:schemeClr val="tx1"/>
                 </a:solidFill>
@@ -19392,7 +19129,7 @@
               <a:t>TFLearn</a:t>
             </a:r>
             <a:r>
-              <a:rPr lang="en-US" sz="2800" dirty="0" smtClean="0">
+              <a:rPr lang="en-US" sz="2800" dirty="0">
                 <a:solidFill>
                   <a:schemeClr val="tx1"/>
                 </a:solidFill>
@@ -19500,13 +19237,6 @@
                 <a:cs typeface="Segoe UI" panose="020B0502040204020203" pitchFamily="34" charset="0"/>
               </a:rPr>
             </a:br>
-            <a:r>
-              <a:rPr lang="en-US" dirty="0">
-                <a:ea typeface="Segoe UI" panose="020B0502040204020203" pitchFamily="34" charset="0"/>
-                <a:cs typeface="Segoe UI" panose="020B0502040204020203" pitchFamily="34" charset="0"/>
-              </a:rPr>
-              <a:t/>
-            </a:r>
             <a:br>
               <a:rPr lang="en-US" dirty="0">
                 <a:ea typeface="Segoe UI" panose="020B0502040204020203" pitchFamily="34" charset="0"/>
@@ -19602,24 +19332,7 @@
                   <a:schemeClr val="tx1"/>
                 </a:solidFill>
               </a:rPr>
-              <a:t>Preferred </a:t>
-            </a:r>
-            <a:r>
-              <a:rPr lang="en-US" sz="4900" dirty="0" smtClean="0">
-                <a:solidFill>
-                  <a:schemeClr val="tx1"/>
-                </a:solidFill>
-              </a:rPr>
-              <a:t>solution</a:t>
-            </a:r>
-            <a:r>
-              <a:rPr lang="en-US" dirty="0">
-                <a:solidFill>
-                  <a:schemeClr val="tx1"/>
-                </a:solidFill>
-                <a:latin typeface="Segoe UI" panose="020B0502040204020203" pitchFamily="34" charset="0"/>
-              </a:rPr>
-              <a:t/>
+              <a:t>Preferred solution</a:t>
             </a:r>
             <a:br>
               <a:rPr lang="en-US" dirty="0">
@@ -19692,7 +19405,7 @@
           </a:lstStyle>
           <a:p>
             <a:r>
-              <a:rPr lang="en-US" sz="3600" dirty="0" smtClean="0">
+              <a:rPr lang="en-US" sz="3600" dirty="0">
                 <a:solidFill>
                   <a:schemeClr val="tx1"/>
                 </a:solidFill>
@@ -19700,12 +19413,6 @@
               </a:rPr>
               <a:t>Classifying claim-text data</a:t>
             </a:r>
-            <a:endParaRPr lang="en-US" sz="3600" dirty="0">
-              <a:solidFill>
-                <a:schemeClr val="tx1"/>
-              </a:solidFill>
-              <a:latin typeface="+mn-lt"/>
-            </a:endParaRPr>
           </a:p>
         </p:txBody>
       </p:sp>
@@ -19758,17 +19465,8 @@
               </a:rPr>
               <a:t>The trained model is saved to a file. </a:t>
             </a:r>
-            <a:r>
-              <a:rPr lang="en-US" sz="2400" dirty="0" smtClean="0">
-                <a:solidFill>
-                  <a:schemeClr val="tx1"/>
-                </a:solidFill>
-                <a:latin typeface="+mn-lt"/>
-              </a:rPr>
-              <a:t/>
-            </a:r>
             <a:br>
-              <a:rPr lang="en-US" sz="2400" dirty="0" smtClean="0">
+              <a:rPr lang="en-US" sz="2400" dirty="0">
                 <a:solidFill>
                   <a:schemeClr val="tx1"/>
                 </a:solidFill>
@@ -19939,15 +19637,7 @@
                   <a:schemeClr val="tx1"/>
                 </a:solidFill>
               </a:rPr>
-              <a:t>Preferred </a:t>
-            </a:r>
-            <a:r>
-              <a:rPr lang="en-US" sz="4900" dirty="0" smtClean="0">
-                <a:solidFill>
-                  <a:schemeClr val="tx1"/>
-                </a:solidFill>
-              </a:rPr>
-              <a:t>solution</a:t>
+              <a:t>Preferred solution</a:t>
             </a:r>
             <a:endParaRPr lang="en-US" sz="3236" dirty="0">
               <a:solidFill>
@@ -20012,7 +19702,7 @@
           </a:lstStyle>
           <a:p>
             <a:r>
-              <a:rPr lang="en-US" sz="3600" dirty="0" smtClean="0">
+              <a:rPr lang="en-US" sz="3600" dirty="0">
                 <a:solidFill>
                   <a:schemeClr val="tx1"/>
                 </a:solidFill>
@@ -20020,12 +19710,6 @@
               </a:rPr>
               <a:t>Identifying free-text sentiment</a:t>
             </a:r>
-            <a:endParaRPr lang="en-US" sz="3600" dirty="0">
-              <a:solidFill>
-                <a:schemeClr val="tx1"/>
-              </a:solidFill>
-              <a:latin typeface="+mn-lt"/>
-            </a:endParaRPr>
           </a:p>
         </p:txBody>
       </p:sp>
@@ -20056,20 +19740,10 @@
             </a:pPr>
             <a:r>
               <a:rPr lang="en-US" sz="2400" dirty="0"/>
-              <a:t>How would you recommend Contoso identify the sentiment in the free-response text provided associated with a claim? Would this require you to build a custom AI model is there a pre-built AI service you could use</a:t>
-            </a:r>
-            <a:r>
-              <a:rPr lang="en-US" sz="2400" dirty="0" smtClean="0"/>
-              <a:t>?</a:t>
-            </a:r>
-            <a:r>
-              <a:rPr lang="en-US" sz="2400" dirty="0" smtClean="0">
-                <a:latin typeface="+mn-lt"/>
-              </a:rPr>
-              <a:t/>
+              <a:t>How would you recommend Contoso identify the sentiment in the free-response text provided associated with a claim? Would this require you to build a custom AI model is there a pre-built AI service you could use?</a:t>
             </a:r>
             <a:br>
-              <a:rPr lang="en-US" sz="2400" dirty="0" smtClean="0">
+              <a:rPr lang="en-US" sz="2400" dirty="0">
                 <a:latin typeface="+mn-lt"/>
               </a:rPr>
             </a:br>
@@ -20082,36 +19756,15 @@
               <a:rPr lang="en-US" sz="2200" dirty="0">
                 <a:latin typeface="+mn-lt"/>
               </a:rPr>
-              <a:t>Use the Text Analytics API from Cognitive Services for scoring the sentiment of the claim </a:t>
-            </a:r>
-            <a:r>
-              <a:rPr lang="en-US" sz="2200" dirty="0" smtClean="0">
-                <a:latin typeface="+mn-lt"/>
-              </a:rPr>
-              <a:t>text </a:t>
-            </a:r>
-            <a:endParaRPr lang="en-US" sz="2200" dirty="0">
-              <a:latin typeface="+mn-lt"/>
-            </a:endParaRPr>
+              <a:t>Use the Text Analytics API from Cognitive Services for scoring the sentiment of the claim text </a:t>
+            </a:r>
           </a:p>
           <a:p>
             <a:r>
               <a:rPr lang="en-US" sz="2200" dirty="0">
                 <a:latin typeface="+mn-lt"/>
               </a:rPr>
-              <a:t>By doing so, they would not have to build or train a custom model, nor have the requirement of having the data to do </a:t>
-            </a:r>
-            <a:r>
-              <a:rPr lang="en-US" sz="2200" dirty="0" smtClean="0">
-                <a:latin typeface="+mn-lt"/>
-              </a:rPr>
-              <a:t>so</a:t>
-            </a:r>
-            <a:r>
-              <a:rPr lang="en-US" sz="2400" dirty="0">
-                <a:latin typeface="+mn-lt"/>
-              </a:rPr>
-              <a:t/>
+              <a:t>By doing so, they would not have to build or train a custom model, nor have the requirement of having the data to do so</a:t>
             </a:r>
             <a:br>
               <a:rPr lang="en-US" sz="2400" dirty="0">
@@ -20132,14 +19785,8 @@
               <a:rPr lang="en-US" sz="2400" dirty="0"/>
               <a:t>For the solution you propose, what is the range of value of the sentiment score and how would you interpret that value? </a:t>
             </a:r>
-            <a:r>
-              <a:rPr lang="en-US" sz="2400" dirty="0" smtClean="0">
-                <a:latin typeface="+mn-lt"/>
-              </a:rPr>
-              <a:t/>
-            </a:r>
             <a:br>
-              <a:rPr lang="en-US" sz="2400" dirty="0" smtClean="0">
+              <a:rPr lang="en-US" sz="2400" dirty="0">
                 <a:latin typeface="+mn-lt"/>
               </a:rPr>
             </a:br>
@@ -20160,13 +19807,7 @@
               <a:rPr lang="en-US" sz="2200" dirty="0">
                 <a:latin typeface="+mn-lt"/>
               </a:rPr>
-              <a:t>A value closer to 0 is interpreted as strongly negative sentiment, near 0.5 as neutral sentiment and closer to 1 as strongly positive </a:t>
-            </a:r>
-            <a:r>
-              <a:rPr lang="en-US" sz="2200" dirty="0" smtClean="0">
-                <a:latin typeface="+mn-lt"/>
-              </a:rPr>
-              <a:t>sentiment</a:t>
+              <a:t>A value closer to 0 is interpreted as strongly negative sentiment, near 0.5 as neutral sentiment and closer to 1 as strongly positive sentiment</a:t>
             </a:r>
             <a:endParaRPr lang="en-US" sz="2400" dirty="0">
               <a:solidFill>
@@ -20259,7 +19900,7 @@
           <a:lstStyle/>
           <a:p>
             <a:r>
-              <a:rPr lang="en-US" sz="4400" dirty="0" smtClean="0">
+              <a:rPr lang="en-US" sz="4400" dirty="0">
                 <a:solidFill>
                   <a:schemeClr val="tx1"/>
                 </a:solidFill>
@@ -20329,24 +19970,15 @@
           </a:lstStyle>
           <a:p>
             <a:r>
-              <a:rPr lang="en-US" sz="3600" dirty="0" smtClean="0">
+              <a:rPr lang="en-US" sz="3600" dirty="0">
                 <a:solidFill>
                   <a:schemeClr val="tx1"/>
                 </a:solidFill>
               </a:rPr>
               <a:t>Summarizing claim text</a:t>
             </a:r>
-            <a:r>
-              <a:rPr lang="en-US" sz="3600" dirty="0" smtClean="0">
-                <a:solidFill>
-                  <a:schemeClr val="tx1"/>
-                </a:solidFill>
-                <a:latin typeface="Segoe UI" panose="020B0502040204020203" pitchFamily="34" charset="0"/>
-              </a:rPr>
-              <a:t/>
-            </a:r>
             <a:br>
-              <a:rPr lang="en-US" sz="3600" dirty="0" smtClean="0">
+              <a:rPr lang="en-US" sz="3600" dirty="0">
                 <a:solidFill>
                   <a:schemeClr val="tx1"/>
                 </a:solidFill>
@@ -20389,20 +20021,10 @@
             </a:pPr>
             <a:r>
               <a:rPr lang="en-US" sz="2800" dirty="0"/>
-              <a:t>Can they deploy a predictive web service to Azure Machine Learning services that does not utilize an external model (as in the case with gensim for summarization) or would support an unsupervised approach (such as clustering</a:t>
-            </a:r>
-            <a:r>
-              <a:rPr lang="en-US" sz="2800" dirty="0" smtClean="0"/>
-              <a:t>)?</a:t>
-            </a:r>
-            <a:r>
-              <a:rPr lang="en-US" sz="2800" dirty="0" smtClean="0">
-                <a:latin typeface="+mn-lt"/>
-              </a:rPr>
-              <a:t/>
+              <a:t>Can they deploy a predictive web service to Azure Machine Learning services that does not utilize an external model (as in the case with gensim for summarization) or would support an unsupervised approach (such as clustering)?</a:t>
             </a:r>
             <a:br>
-              <a:rPr lang="en-US" sz="2800" dirty="0" smtClean="0">
+              <a:rPr lang="en-US" sz="2800" dirty="0">
                 <a:latin typeface="+mn-lt"/>
               </a:rPr>
             </a:br>
@@ -20415,47 +20037,23 @@
               <a:rPr lang="en-US" sz="2400" dirty="0">
                 <a:latin typeface="+mn-lt"/>
               </a:rPr>
-              <a:t>Azure Machine Learning services can be used to deploy web services that do not have a </a:t>
-            </a:r>
-            <a:r>
-              <a:rPr lang="en-US" sz="2400" dirty="0" smtClean="0">
-                <a:latin typeface="+mn-lt"/>
-              </a:rPr>
-              <a:t>model</a:t>
-            </a:r>
-            <a:endParaRPr lang="en-US" sz="2400" dirty="0">
-              <a:latin typeface="+mn-lt"/>
-            </a:endParaRPr>
+              <a:t>Azure Machine Learning services can be used to deploy web services that do not have a model</a:t>
+            </a:r>
           </a:p>
           <a:p>
             <a:r>
               <a:rPr lang="en-US" sz="2400" dirty="0">
                 <a:latin typeface="+mn-lt"/>
               </a:rPr>
-              <a:t>While the CLI used to perform the deployment requires a model argument, the argument can refer to any file, and it does not require the use of the file during the web service </a:t>
-            </a:r>
-            <a:r>
-              <a:rPr lang="en-US" sz="2400" dirty="0" smtClean="0">
-                <a:latin typeface="+mn-lt"/>
-              </a:rPr>
-              <a:t>runtime</a:t>
-            </a:r>
-            <a:endParaRPr lang="en-US" sz="2400" dirty="0">
-              <a:latin typeface="+mn-lt"/>
-            </a:endParaRPr>
+              <a:t>While the API used to perform the deployment requires a model argument, the argument can refer to any file, and it does not require the use of the file during the web service runtime</a:t>
+            </a:r>
           </a:p>
           <a:p>
             <a:r>
               <a:rPr lang="en-US" sz="2400" dirty="0">
                 <a:latin typeface="+mn-lt"/>
               </a:rPr>
-              <a:t>Therefore, Contoso could deploy a web service that uses gensim to perform </a:t>
-            </a:r>
-            <a:r>
-              <a:rPr lang="en-US" sz="2400" dirty="0" smtClean="0">
-                <a:latin typeface="+mn-lt"/>
-              </a:rPr>
-              <a:t>summarization</a:t>
+              <a:t>Therefore, Contoso could deploy a web service that uses gensim to perform summarization</a:t>
             </a:r>
             <a:endParaRPr lang="en-US" sz="2400" dirty="0">
               <a:solidFill>
@@ -20553,20 +20151,12 @@
           <a:lstStyle/>
           <a:p>
             <a:r>
-              <a:rPr lang="en-US" sz="3600" dirty="0" smtClean="0">
-                <a:solidFill>
-                  <a:schemeClr val="tx1"/>
-                </a:solidFill>
-              </a:rPr>
-              <a:t>Captions</a:t>
-            </a:r>
-            <a:r>
               <a:rPr lang="en-US" sz="3600" dirty="0">
                 <a:solidFill>
                   <a:schemeClr val="tx1"/>
                 </a:solidFill>
               </a:rPr>
-              <a:t>, tags, and “reading” images</a:t>
+              <a:t>Captions, tags, and “reading” images</a:t>
             </a:r>
             <a:endParaRPr lang="en-US" sz="3600" dirty="0">
               <a:solidFill>
@@ -20631,7 +20221,7 @@
           </a:lstStyle>
           <a:p>
             <a:r>
-              <a:rPr lang="en-US" sz="4400" dirty="0" smtClean="0">
+              <a:rPr lang="en-US" sz="4400" dirty="0">
                 <a:solidFill>
                   <a:schemeClr val="tx1"/>
                 </a:solidFill>
@@ -20676,14 +20266,8 @@
               <a:rPr lang="en-US" sz="2800" dirty="0"/>
               <a:t>How would you recommend Contoso implement support for automatically creating captions and tagging the claim photos? </a:t>
             </a:r>
-            <a:r>
-              <a:rPr lang="en-US" sz="2800" dirty="0" smtClean="0">
-                <a:latin typeface="+mn-lt"/>
-              </a:rPr>
-              <a:t/>
-            </a:r>
             <a:br>
-              <a:rPr lang="en-US" sz="2800" dirty="0" smtClean="0">
+              <a:rPr lang="en-US" sz="2800" dirty="0">
                 <a:latin typeface="+mn-lt"/>
               </a:rPr>
             </a:br>
@@ -20696,29 +20280,13 @@
               <a:rPr lang="en-US" sz="2400" dirty="0">
                 <a:latin typeface="+mn-lt"/>
               </a:rPr>
-              <a:t>Contoso should use the analyze feature of the Computer Vision API from Cognitive </a:t>
-            </a:r>
-            <a:r>
-              <a:rPr lang="en-US" sz="2400" dirty="0" smtClean="0">
-                <a:latin typeface="+mn-lt"/>
-              </a:rPr>
-              <a:t>Services</a:t>
-            </a:r>
-            <a:r>
-              <a:rPr lang="en-US" sz="2800" dirty="0">
-                <a:latin typeface="+mn-lt"/>
-              </a:rPr>
-              <a:t/>
+              <a:t>Contoso should use the analyze feature of the Computer Vision API from Cognitive Services</a:t>
             </a:r>
             <a:br>
               <a:rPr lang="en-US" sz="2800" dirty="0">
                 <a:latin typeface="+mn-lt"/>
               </a:rPr>
             </a:br>
-            <a:r>
-              <a:rPr lang="en-US" sz="2400" dirty="0"/>
-              <a:t/>
-            </a:r>
             <a:br>
               <a:rPr lang="en-US" sz="2400" dirty="0"/>
             </a:br>
@@ -20791,24 +20359,7 @@
                   <a:schemeClr val="tx1"/>
                 </a:solidFill>
               </a:rPr>
-              <a:t>Preferred </a:t>
-            </a:r>
-            <a:r>
-              <a:rPr lang="en-US" sz="4900" dirty="0" smtClean="0">
-                <a:solidFill>
-                  <a:schemeClr val="tx1"/>
-                </a:solidFill>
-              </a:rPr>
-              <a:t>solution</a:t>
-            </a:r>
-            <a:r>
-              <a:rPr lang="en-US" dirty="0">
-                <a:solidFill>
-                  <a:schemeClr val="tx1"/>
-                </a:solidFill>
-                <a:latin typeface="Segoe UI" panose="020B0502040204020203" pitchFamily="34" charset="0"/>
-              </a:rPr>
-              <a:t/>
+              <a:t>Preferred solution</a:t>
             </a:r>
             <a:br>
               <a:rPr lang="en-US" dirty="0">
@@ -20881,7 +20432,7 @@
           </a:lstStyle>
           <a:p>
             <a:r>
-              <a:rPr lang="en-US" sz="3600" dirty="0" smtClean="0">
+              <a:rPr lang="en-US" sz="3600" dirty="0">
                 <a:solidFill>
                   <a:schemeClr val="tx1"/>
                 </a:solidFill>
@@ -20974,27 +20525,10 @@
                 </a:gradFill>
                 <a:latin typeface="+mn-lt"/>
               </a:rPr>
-              <a:t>Either the binary image data or a URL pointing to a publicly accessible image can be </a:t>
-            </a:r>
-            <a:r>
-              <a:rPr lang="en-US" sz="2400" dirty="0" smtClean="0">
-                <a:gradFill>
-                  <a:gsLst>
-                    <a:gs pos="1250">
-                      <a:srgbClr val="FFFFFF"/>
-                    </a:gs>
-                    <a:gs pos="100000">
-                      <a:srgbClr val="FFFFFF"/>
-                    </a:gs>
-                  </a:gsLst>
-                  <a:lin ang="5400000" scaled="0"/>
-                </a:gradFill>
-                <a:latin typeface="+mn-lt"/>
-              </a:rPr>
-              <a:t>supplied</a:t>
+              <a:t>Either the binary image data or a URL pointing to a publicly accessible image can be supplied</a:t>
             </a:r>
             <a:br>
-              <a:rPr lang="en-US" sz="2400" dirty="0" smtClean="0">
+              <a:rPr lang="en-US" sz="2400" dirty="0">
                 <a:gradFill>
                   <a:gsLst>
                     <a:gs pos="1250">
@@ -21040,24 +20574,7 @@
                 </a:gradFill>
                 <a:latin typeface="+mn-lt"/>
               </a:rPr>
-              <a:t>A JSON response document is </a:t>
-            </a:r>
-            <a:r>
-              <a:rPr lang="en-US" sz="2400" dirty="0" smtClean="0">
-                <a:gradFill>
-                  <a:gsLst>
-                    <a:gs pos="1250">
-                      <a:srgbClr val="FFFFFF"/>
-                    </a:gs>
-                    <a:gs pos="100000">
-                      <a:srgbClr val="FFFFFF"/>
-                    </a:gs>
-                  </a:gsLst>
-                  <a:lin ang="5400000" scaled="0"/>
-                </a:gradFill>
-                <a:latin typeface="+mn-lt"/>
-              </a:rPr>
-              <a:t>returned</a:t>
+              <a:t>A JSON response document is returned</a:t>
             </a:r>
             <a:endParaRPr lang="en-US" sz="2400" dirty="0">
               <a:solidFill>
@@ -21682,15 +21199,7 @@
                   <a:schemeClr val="tx1"/>
                 </a:solidFill>
               </a:rPr>
-              <a:t>Preferred </a:t>
-            </a:r>
-            <a:r>
-              <a:rPr lang="en-US" sz="4900" dirty="0" smtClean="0">
-                <a:solidFill>
-                  <a:schemeClr val="tx1"/>
-                </a:solidFill>
-              </a:rPr>
-              <a:t>solution</a:t>
+              <a:t>Preferred solution</a:t>
             </a:r>
             <a:endParaRPr lang="en-US" sz="3236" dirty="0">
               <a:solidFill>
@@ -21755,7 +21264,7 @@
           </a:lstStyle>
           <a:p>
             <a:r>
-              <a:rPr lang="en-US" sz="3600" dirty="0" smtClean="0">
+              <a:rPr lang="en-US" sz="3600" dirty="0">
                 <a:solidFill>
                   <a:schemeClr val="tx1"/>
                 </a:solidFill>
@@ -21798,11 +21307,7 @@
             </a:pPr>
             <a:r>
               <a:rPr lang="en-US" sz="2800" dirty="0"/>
-              <a:t>How would you recommend Contoso implement support for “reading” any text that appears within an image, so that it could be searched later? Would this require you to build a custom AI model is there a pre-built AI service you could use</a:t>
-            </a:r>
-            <a:r>
-              <a:rPr lang="en-US" sz="2800" dirty="0" smtClean="0"/>
-              <a:t>?</a:t>
+              <a:t>How would you recommend Contoso implement support for “reading” any text that appears within an image, so that it could be searched later? Would this require you to build a custom AI model is there a pre-built AI service you could use?</a:t>
             </a:r>
           </a:p>
           <a:p>
@@ -21818,29 +21323,13 @@
               <a:rPr lang="en-US" sz="2400" dirty="0">
                 <a:latin typeface="+mn-lt"/>
               </a:rPr>
-              <a:t>Contoso could use the OCR feature of the Computer Vision </a:t>
-            </a:r>
-            <a:r>
-              <a:rPr lang="en-US" sz="2400" dirty="0" smtClean="0">
-                <a:latin typeface="+mn-lt"/>
-              </a:rPr>
-              <a:t>API</a:t>
-            </a:r>
-            <a:r>
-              <a:rPr lang="en-US" sz="2800" dirty="0">
-                <a:latin typeface="+mn-lt"/>
-              </a:rPr>
-              <a:t/>
+              <a:t>Contoso could use the OCR feature of the Computer Vision API</a:t>
             </a:r>
             <a:br>
               <a:rPr lang="en-US" sz="2800" dirty="0">
                 <a:latin typeface="+mn-lt"/>
               </a:rPr>
             </a:br>
-            <a:r>
-              <a:rPr lang="en-US" sz="2400" dirty="0"/>
-              <a:t/>
-            </a:r>
             <a:br>
               <a:rPr lang="en-US" sz="2400" dirty="0"/>
             </a:br>
@@ -21913,24 +21402,7 @@
                   <a:schemeClr val="tx1"/>
                 </a:solidFill>
               </a:rPr>
-              <a:t>Preferred </a:t>
-            </a:r>
-            <a:r>
-              <a:rPr lang="en-US" sz="4900" dirty="0" smtClean="0">
-                <a:solidFill>
-                  <a:schemeClr val="tx1"/>
-                </a:solidFill>
-              </a:rPr>
-              <a:t>solution</a:t>
-            </a:r>
-            <a:r>
-              <a:rPr lang="en-US" dirty="0">
-                <a:solidFill>
-                  <a:schemeClr val="tx1"/>
-                </a:solidFill>
-                <a:latin typeface="Segoe UI" panose="020B0502040204020203" pitchFamily="34" charset="0"/>
-              </a:rPr>
-              <a:t/>
+              <a:t>Preferred solution</a:t>
             </a:r>
             <a:br>
               <a:rPr lang="en-US" dirty="0">
@@ -22003,7 +21475,7 @@
           </a:lstStyle>
           <a:p>
             <a:r>
-              <a:rPr lang="en-US" sz="3600" dirty="0" smtClean="0">
+              <a:rPr lang="en-US" sz="3600" dirty="0">
                 <a:solidFill>
                   <a:schemeClr val="tx1"/>
                 </a:solidFill>
@@ -22058,43 +21530,10 @@
                   <a:lin ang="5400000" scaled="0"/>
                 </a:gradFill>
               </a:rPr>
-              <a:t>Describe the flow of processing of an image as input, to what value returned by each component in your proposed solution for “reading” images</a:t>
-            </a:r>
-            <a:r>
-              <a:rPr lang="en-US" sz="2400" dirty="0" smtClean="0">
-                <a:gradFill>
-                  <a:gsLst>
-                    <a:gs pos="1250">
-                      <a:srgbClr val="FFFFFF"/>
-                    </a:gs>
-                    <a:gs pos="100000">
-                      <a:srgbClr val="FFFFFF"/>
-                    </a:gs>
-                  </a:gsLst>
-                  <a:lin ang="5400000" scaled="0"/>
-                </a:gradFill>
-              </a:rPr>
-              <a:t>.</a:t>
-            </a:r>
-            <a:r>
-              <a:rPr lang="en-US" sz="2400" dirty="0" smtClean="0">
-                <a:gradFill>
-                  <a:gsLst>
-                    <a:gs pos="1250">
-                      <a:srgbClr val="FFFFFF"/>
-                    </a:gs>
-                    <a:gs pos="100000">
-                      <a:srgbClr val="FFFFFF"/>
-                    </a:gs>
-                  </a:gsLst>
-                  <a:lin ang="5400000" scaled="0"/>
-                </a:gradFill>
-                <a:latin typeface="+mn-lt"/>
-              </a:rPr>
-              <a:t/>
+              <a:t>Describe the flow of processing of an image as input, to what value returned by each component in your proposed solution for “reading” images.</a:t>
             </a:r>
             <a:br>
-              <a:rPr lang="en-US" sz="2400" dirty="0" smtClean="0">
+              <a:rPr lang="en-US" sz="2400" dirty="0">
                 <a:gradFill>
                   <a:gsLst>
                     <a:gs pos="1250">
@@ -22140,27 +21579,10 @@
                 </a:gradFill>
                 <a:latin typeface="+mn-lt"/>
               </a:rPr>
-              <a:t>Either the binary image data or a URL pointing to a publicly accessible image can be </a:t>
-            </a:r>
-            <a:r>
-              <a:rPr lang="en-US" sz="2200" dirty="0" smtClean="0">
-                <a:gradFill>
-                  <a:gsLst>
-                    <a:gs pos="1250">
-                      <a:srgbClr val="FFFFFF"/>
-                    </a:gs>
-                    <a:gs pos="100000">
-                      <a:srgbClr val="FFFFFF"/>
-                    </a:gs>
-                  </a:gsLst>
-                  <a:lin ang="5400000" scaled="0"/>
-                </a:gradFill>
-                <a:latin typeface="+mn-lt"/>
-              </a:rPr>
-              <a:t>supplied</a:t>
+              <a:t>Either the binary image data or a URL pointing to a publicly accessible image can be supplied</a:t>
             </a:r>
             <a:br>
-              <a:rPr lang="en-US" sz="2200" dirty="0" smtClean="0">
+              <a:rPr lang="en-US" sz="2200" dirty="0">
                 <a:gradFill>
                   <a:gsLst>
                     <a:gs pos="1250">
@@ -22513,15 +21935,7 @@
                   <a:schemeClr val="tx1"/>
                 </a:solidFill>
               </a:rPr>
-              <a:t>Preferred </a:t>
-            </a:r>
-            <a:r>
-              <a:rPr lang="en-US" sz="4400" dirty="0" smtClean="0">
-                <a:solidFill>
-                  <a:schemeClr val="tx1"/>
-                </a:solidFill>
-              </a:rPr>
-              <a:t>solution</a:t>
+              <a:t>Preferred solution</a:t>
             </a:r>
             <a:endParaRPr lang="en-US" sz="4400" dirty="0">
               <a:solidFill>
@@ -22586,7 +22000,7 @@
           </a:lstStyle>
           <a:p>
             <a:r>
-              <a:rPr lang="en-US" sz="3600" dirty="0" smtClean="0">
+              <a:rPr lang="en-US" sz="3600" dirty="0">
                 <a:solidFill>
                   <a:schemeClr val="tx1"/>
                 </a:solidFill>
@@ -22629,28 +22043,10 @@
             </a:pPr>
             <a:r>
               <a:rPr lang="en-US" sz="2400" dirty="0"/>
-              <a:t>What service would you recommend </a:t>
-            </a:r>
-            <a:r>
-              <a:rPr lang="en-US" sz="2400" dirty="0" smtClean="0"/>
-              <a:t>Contoso use to </a:t>
-            </a:r>
-            <a:r>
-              <a:rPr lang="en-US" sz="2400" dirty="0"/>
-              <a:t>enable greater searchability over the claim data, inclusive of the new data fields created by your text processing and image processing components</a:t>
-            </a:r>
-            <a:r>
-              <a:rPr lang="en-US" sz="2400" dirty="0" smtClean="0"/>
-              <a:t>?</a:t>
-            </a:r>
-            <a:r>
-              <a:rPr lang="en-US" sz="2400" dirty="0" smtClean="0">
-                <a:latin typeface="+mn-lt"/>
-              </a:rPr>
-              <a:t/>
+              <a:t>What service would you recommend Contoso use to enable greater searchability over the claim data, inclusive of the new data fields created by your text processing and image processing components?</a:t>
             </a:r>
             <a:br>
-              <a:rPr lang="en-US" sz="2400" dirty="0" smtClean="0">
+              <a:rPr lang="en-US" sz="2400" dirty="0">
                 <a:latin typeface="+mn-lt"/>
               </a:rPr>
             </a:br>
@@ -22663,25 +22059,7 @@
               <a:rPr lang="en-US" sz="2200" dirty="0">
                 <a:latin typeface="+mn-lt"/>
               </a:rPr>
-              <a:t>Contoso should use Azure Search to create an Index for the claim data as it enters their </a:t>
-            </a:r>
-            <a:r>
-              <a:rPr lang="en-US" sz="2200" dirty="0" smtClean="0">
-                <a:latin typeface="+mn-lt"/>
-              </a:rPr>
-              <a:t>system, and </a:t>
-            </a:r>
-            <a:r>
-              <a:rPr lang="en-US" sz="2200" dirty="0">
-                <a:latin typeface="+mn-lt"/>
-              </a:rPr>
-              <a:t>augmented by the results of the text and image processing </a:t>
-            </a:r>
-            <a:r>
-              <a:rPr lang="en-US" sz="2200" dirty="0" smtClean="0">
-                <a:latin typeface="+mn-lt"/>
-              </a:rPr>
-              <a:t>components</a:t>
+              <a:t>Contoso should use Azure Search to create an Index for the claim data as it enters their system, and augmented by the results of the text and image processing components</a:t>
             </a:r>
             <a:endParaRPr lang="en-US" sz="2400" dirty="0">
               <a:latin typeface="+mn-lt"/>
@@ -22701,20 +22079,10 @@
             </a:pPr>
             <a:r>
               <a:rPr lang="en-US" sz="2400" dirty="0"/>
-              <a:t>Would they be able to keep their claims data in the existing database and layer in this search capability? If so, explain how</a:t>
-            </a:r>
-            <a:r>
-              <a:rPr lang="en-US" sz="2400" dirty="0" smtClean="0"/>
-              <a:t>.</a:t>
-            </a:r>
-            <a:r>
-              <a:rPr lang="en-US" sz="2400" dirty="0" smtClean="0">
-                <a:latin typeface="+mn-lt"/>
-              </a:rPr>
-              <a:t/>
+              <a:t>Would they be able to keep their claims data in the existing database and layer in this search capability? If so, explain how.</a:t>
             </a:r>
             <a:br>
-              <a:rPr lang="en-US" sz="2400" dirty="0" smtClean="0">
+              <a:rPr lang="en-US" sz="2400" dirty="0">
                 <a:latin typeface="+mn-lt"/>
               </a:rPr>
             </a:br>
@@ -22729,23 +22097,11 @@
               </a:rPr>
               <a:t>Yes, the data in the Azure Search index would augment the data already stored in their SQL Database. The data in the Azure Search index would tie back to the data in SQL Database via values used as the primary key in the SQL Database (such as the claim ID, image ID, attachment ID, etc.).</a:t>
             </a:r>
-            <a:r>
-              <a:rPr lang="en-US" sz="2400" dirty="0">
-                <a:latin typeface="+mn-lt"/>
-              </a:rPr>
-              <a:t/>
-            </a:r>
             <a:br>
               <a:rPr lang="en-US" sz="2400" dirty="0">
                 <a:latin typeface="+mn-lt"/>
               </a:rPr>
             </a:br>
-            <a:r>
-              <a:rPr lang="en-US" sz="2400" dirty="0">
-                <a:latin typeface="+mn-lt"/>
-              </a:rPr>
-              <a:t/>
-            </a:r>
             <a:br>
               <a:rPr lang="en-US" sz="2400" dirty="0">
                 <a:latin typeface="+mn-lt"/>
@@ -22824,15 +22180,6 @@
               </a:rPr>
               <a:t>Preferred objections handling</a:t>
             </a:r>
-            <a:r>
-              <a:rPr lang="en-US" dirty="0">
-                <a:solidFill>
-                  <a:schemeClr val="tx1"/>
-                </a:solidFill>
-                <a:latin typeface="Segoe UI" panose="020B0502040204020203" pitchFamily="34" charset="0"/>
-              </a:rPr>
-              <a:t/>
-            </a:r>
             <a:br>
               <a:rPr lang="en-US" dirty="0">
                 <a:solidFill>
@@ -22880,19 +22227,7 @@
             </a:pPr>
             <a:r>
               <a:rPr lang="en-US" sz="2800" dirty="0"/>
-              <a:t>We are skeptical about all the hype surrounding these “AI” solutions. It’s hard to know what is feasible versus what </a:t>
-            </a:r>
-            <a:r>
-              <a:rPr lang="en-US" sz="2800" dirty="0" smtClean="0"/>
-              <a:t>not </a:t>
-            </a:r>
-            <a:r>
-              <a:rPr lang="en-US" sz="2800" dirty="0"/>
-              <a:t>possible with today’s technology and </a:t>
-            </a:r>
-            <a:r>
-              <a:rPr lang="en-US" sz="2800" dirty="0" smtClean="0"/>
-              <a:t>Azure.</a:t>
+              <a:t>We are skeptical about all the hype surrounding these “AI” solutions. It’s hard to know what is feasible versus what not possible with today’s technology and Azure.</a:t>
             </a:r>
           </a:p>
           <a:p>
@@ -22908,17 +22243,15 @@
                 </a:solidFill>
                 <a:latin typeface="+mn-lt"/>
               </a:rPr>
-              <a:t>While it is true there is a lot of hype around AI, the ability to deploy solutions that use data, machine </a:t>
-            </a:r>
-            <a:r>
-              <a:rPr lang="en-US" sz="2400" dirty="0" smtClean="0">
-                <a:solidFill>
-                  <a:schemeClr val="tx1"/>
-                </a:solidFill>
-                <a:latin typeface="+mn-lt"/>
-              </a:rPr>
-              <a:t>learning, and </a:t>
-            </a:r>
+              <a:t>While it is true there is a lot of hype around AI, the ability to deploy solutions that use data, machine learning, and deep learning to create an application with “AI” capabilities is real, and is possible in Azure</a:t>
+            </a:r>
+          </a:p>
+          <a:p>
+            <a:pPr>
+              <a:spcAft>
+                <a:spcPts val="882"/>
+              </a:spcAft>
+            </a:pPr>
             <a:r>
               <a:rPr lang="en-US" sz="2400" dirty="0">
                 <a:solidFill>
@@ -22926,99 +22259,8 @@
                 </a:solidFill>
                 <a:latin typeface="+mn-lt"/>
               </a:rPr>
-              <a:t>deep learning to create an application with “AI” capabilities is real, and </a:t>
-            </a:r>
-            <a:r>
-              <a:rPr lang="en-US" sz="2400" dirty="0" smtClean="0">
-                <a:solidFill>
-                  <a:schemeClr val="tx1"/>
-                </a:solidFill>
-                <a:latin typeface="+mn-lt"/>
-              </a:rPr>
-              <a:t>is </a:t>
-            </a:r>
-            <a:r>
-              <a:rPr lang="en-US" sz="2400" dirty="0">
-                <a:solidFill>
-                  <a:schemeClr val="tx1"/>
-                </a:solidFill>
-                <a:latin typeface="+mn-lt"/>
-              </a:rPr>
-              <a:t>possible in </a:t>
-            </a:r>
-            <a:r>
-              <a:rPr lang="en-US" sz="2400" dirty="0" smtClean="0">
-                <a:solidFill>
-                  <a:schemeClr val="tx1"/>
-                </a:solidFill>
-                <a:latin typeface="+mn-lt"/>
-              </a:rPr>
-              <a:t>Azure</a:t>
-            </a:r>
-            <a:endParaRPr lang="en-US" sz="2400" dirty="0">
-              <a:solidFill>
-                <a:schemeClr val="tx1"/>
-              </a:solidFill>
-              <a:latin typeface="+mn-lt"/>
-            </a:endParaRPr>
-          </a:p>
-          <a:p>
-            <a:pPr>
-              <a:spcAft>
-                <a:spcPts val="882"/>
-              </a:spcAft>
-            </a:pPr>
-            <a:r>
-              <a:rPr lang="en-US" sz="2400" dirty="0" smtClean="0">
-                <a:solidFill>
-                  <a:schemeClr val="tx1"/>
-                </a:solidFill>
-                <a:latin typeface="+mn-lt"/>
-              </a:rPr>
-              <a:t>Azure </a:t>
-            </a:r>
-            <a:r>
-              <a:rPr lang="en-US" sz="2400" dirty="0">
-                <a:solidFill>
-                  <a:schemeClr val="tx1"/>
-                </a:solidFill>
-                <a:latin typeface="+mn-lt"/>
-              </a:rPr>
-              <a:t>provides a wide range of services to address the needs of AI from pre-built AI capabilities in Cognitive Services to services that help you to build, </a:t>
-            </a:r>
-            <a:r>
-              <a:rPr lang="en-US" sz="2400" dirty="0" smtClean="0">
-                <a:solidFill>
-                  <a:schemeClr val="tx1"/>
-                </a:solidFill>
-                <a:latin typeface="+mn-lt"/>
-              </a:rPr>
-              <a:t>train, </a:t>
-            </a:r>
-            <a:r>
-              <a:rPr lang="en-US" sz="2400" dirty="0">
-                <a:solidFill>
-                  <a:schemeClr val="tx1"/>
-                </a:solidFill>
-                <a:latin typeface="+mn-lt"/>
-              </a:rPr>
-              <a:t>and deploy your custom AI capabilities using Azure Machine Learning and other services from the Microsoft AI </a:t>
-            </a:r>
-            <a:r>
-              <a:rPr lang="en-US" sz="2400" dirty="0" smtClean="0">
-                <a:solidFill>
-                  <a:schemeClr val="tx1"/>
-                </a:solidFill>
-                <a:latin typeface="+mn-lt"/>
-              </a:rPr>
-              <a:t>stack</a:t>
-            </a:r>
-            <a:endParaRPr lang="en-US" sz="2400" dirty="0">
-              <a:solidFill>
-                <a:schemeClr val="tx1"/>
-              </a:solidFill>
-              <a:latin typeface="+mn-lt"/>
-            </a:endParaRPr>
+              <a:t>Azure provides a wide range of services to address the needs of AI from pre-built AI capabilities in Cognitive Services to services that help you to build, train, and deploy your custom AI capabilities using Azure Machine Learning and other services from the Microsoft AI stack</a:t>
+            </a:r>
           </a:p>
         </p:txBody>
       </p:sp>
@@ -23266,25 +22508,7 @@
                 </a:solidFill>
                 <a:cs typeface="Segoe UI" panose="020B0502040204020203" pitchFamily="34" charset="0"/>
               </a:rPr>
-              <a:t>Preferred objections </a:t>
-            </a:r>
-            <a:r>
-              <a:rPr lang="en-US" sz="4900" dirty="0" smtClean="0">
-                <a:solidFill>
-                  <a:schemeClr val="tx1"/>
-                </a:solidFill>
-                <a:cs typeface="Segoe UI" panose="020B0502040204020203" pitchFamily="34" charset="0"/>
-              </a:rPr>
-              <a:t>handling</a:t>
-            </a:r>
-            <a:r>
-              <a:rPr lang="en-US" dirty="0">
-                <a:solidFill>
-                  <a:schemeClr val="tx1"/>
-                </a:solidFill>
-                <a:latin typeface="Segoe UI" panose="020B0502040204020203" pitchFamily="34" charset="0"/>
-              </a:rPr>
-              <a:t/>
+              <a:t>Preferred objections handling</a:t>
             </a:r>
             <a:br>
               <a:rPr lang="en-US" dirty="0">
@@ -23349,23 +22573,8 @@
                 </a:solidFill>
                 <a:latin typeface="+mn-lt"/>
               </a:rPr>
-              <a:t>You should consider pre-built AI options first, and only having ruled them out as not fitting your requirements should you then explore the custom AI </a:t>
-            </a:r>
-            <a:r>
-              <a:rPr lang="en-US" sz="2400" dirty="0" smtClean="0">
-                <a:solidFill>
-                  <a:schemeClr val="tx1"/>
-                </a:solidFill>
-                <a:latin typeface="+mn-lt"/>
-              </a:rPr>
-              <a:t>options</a:t>
-            </a:r>
-            <a:endParaRPr lang="en-US" sz="2400" dirty="0">
-              <a:solidFill>
-                <a:schemeClr val="tx1"/>
-              </a:solidFill>
-              <a:latin typeface="+mn-lt"/>
-            </a:endParaRPr>
+              <a:t>You should consider pre-built AI options first, and only having ruled them out as not fitting your requirements should you then explore the custom AI options</a:t>
+            </a:r>
           </a:p>
           <a:p>
             <a:pPr>
@@ -23380,23 +22589,8 @@
                 </a:solidFill>
                 <a:latin typeface="+mn-lt"/>
               </a:rPr>
-              <a:t>The advantage of pre-built AI options like Cognitive Services is that the models they use under the covers do not need to be trained by you, and you do not need to have the data to train them as a </a:t>
-            </a:r>
-            <a:r>
-              <a:rPr lang="en-US" sz="2400" dirty="0" smtClean="0">
-                <a:solidFill>
-                  <a:schemeClr val="tx1"/>
-                </a:solidFill>
-                <a:latin typeface="+mn-lt"/>
-              </a:rPr>
-              <a:t>pre-requisite</a:t>
-            </a:r>
-            <a:endParaRPr lang="en-US" sz="2400" dirty="0">
-              <a:solidFill>
-                <a:schemeClr val="tx1"/>
-              </a:solidFill>
-              <a:latin typeface="+mn-lt"/>
-            </a:endParaRPr>
+              <a:t>The advantage of pre-built AI options like Cognitive Services is that the models they use under the covers do not need to be trained by you, and you do not need to have the data to train them as a pre-requisite</a:t>
+            </a:r>
           </a:p>
         </p:txBody>
       </p:sp>
@@ -23461,15 +22655,7 @@
                   <a:schemeClr val="tx1"/>
                 </a:solidFill>
               </a:rPr>
-              <a:t>Preferred objections </a:t>
-            </a:r>
-            <a:r>
-              <a:rPr lang="en-US" sz="4400" dirty="0" smtClean="0">
-                <a:solidFill>
-                  <a:schemeClr val="tx1"/>
-                </a:solidFill>
-              </a:rPr>
-              <a:t>handling</a:t>
+              <a:t>Preferred objections handling</a:t>
             </a:r>
             <a:endParaRPr lang="en-US" sz="4400" dirty="0">
               <a:solidFill>
@@ -23526,23 +22712,8 @@
                 </a:solidFill>
                 <a:latin typeface="+mn-lt"/>
               </a:rPr>
-              <a:t>Both TensorFlow and the Microsoft Cognitive Toolkit solve similar problems and have been used successfully by many companies for deep </a:t>
-            </a:r>
-            <a:r>
-              <a:rPr lang="en-US" sz="2400" dirty="0" smtClean="0">
-                <a:solidFill>
-                  <a:schemeClr val="tx1"/>
-                </a:solidFill>
-                <a:latin typeface="+mn-lt"/>
-              </a:rPr>
-              <a:t>learning</a:t>
-            </a:r>
-            <a:endParaRPr lang="en-US" sz="2400" dirty="0">
-              <a:solidFill>
-                <a:schemeClr val="tx1"/>
-              </a:solidFill>
-              <a:latin typeface="+mn-lt"/>
-            </a:endParaRPr>
+              <a:t>Both TensorFlow and the Microsoft Cognitive Toolkit solve similar problems and have been used successfully by many companies for deep learning</a:t>
+            </a:r>
           </a:p>
           <a:p>
             <a:pPr>
@@ -23557,17 +22728,15 @@
                 </a:solidFill>
                 <a:latin typeface="+mn-lt"/>
               </a:rPr>
-              <a:t>At present, it appears that TensorFlow has a much larger community interest </a:t>
-            </a:r>
-            <a:r>
-              <a:rPr lang="en-US" sz="2400" dirty="0" smtClean="0">
-                <a:solidFill>
-                  <a:schemeClr val="tx1"/>
-                </a:solidFill>
-                <a:latin typeface="+mn-lt"/>
-              </a:rPr>
-              <a:t>level, </a:t>
-            </a:r>
+              <a:t>At present, it appears that TensorFlow has a much larger community interest level, which can be measured by the number of stars it has in its GitHub project (which is an order of magnitude larger than that of the Microsoft Cognitive Toolkit)</a:t>
+            </a:r>
+          </a:p>
+          <a:p>
+            <a:pPr>
+              <a:spcAft>
+                <a:spcPts val="882"/>
+              </a:spcAft>
+            </a:pPr>
             <a:r>
               <a:rPr lang="en-US" sz="2400" dirty="0">
                 <a:solidFill>
@@ -23575,30 +22744,17 @@
                 </a:solidFill>
                 <a:latin typeface="+mn-lt"/>
               </a:rPr>
-              <a:t>which can be measured by the number of stars it has in its GitHub project (which is an order of magnitude larger than that of the Microsoft Cognitive Toolkit</a:t>
-            </a:r>
-            <a:r>
-              <a:rPr lang="en-US" sz="2400" dirty="0" smtClean="0">
+              <a:t>The size of the community means that is likely you will more easily find help online for issues with </a:t>
+            </a:r>
+            <a:r>
+              <a:rPr lang="en-US" sz="2400" dirty="0" err="1">
                 <a:solidFill>
                   <a:schemeClr val="tx1"/>
                 </a:solidFill>
                 <a:latin typeface="+mn-lt"/>
               </a:rPr>
-              <a:t>)</a:t>
-            </a:r>
-            <a:endParaRPr lang="en-US" sz="2400" dirty="0">
-              <a:solidFill>
-                <a:schemeClr val="tx1"/>
-              </a:solidFill>
-              <a:latin typeface="+mn-lt"/>
-            </a:endParaRPr>
-          </a:p>
-          <a:p>
-            <a:pPr>
-              <a:spcAft>
-                <a:spcPts val="882"/>
-              </a:spcAft>
-            </a:pPr>
+              <a:t>TensorFlow</a:t>
+            </a:r>
             <a:r>
               <a:rPr lang="en-US" sz="2400" dirty="0">
                 <a:solidFill>
@@ -23606,55 +22762,10 @@
                 </a:solidFill>
                 <a:latin typeface="+mn-lt"/>
               </a:rPr>
-              <a:t>The size of the community means that is likely you will more easily find help online for issues with </a:t>
-            </a:r>
-            <a:r>
-              <a:rPr lang="en-US" sz="2400" dirty="0" err="1" smtClean="0">
-                <a:solidFill>
-                  <a:schemeClr val="tx1"/>
-                </a:solidFill>
-                <a:latin typeface="+mn-lt"/>
-              </a:rPr>
-              <a:t>TensorFlow</a:t>
-            </a:r>
-            <a:r>
-              <a:rPr lang="en-US" sz="2400" dirty="0" smtClean="0">
-                <a:solidFill>
-                  <a:schemeClr val="tx1"/>
-                </a:solidFill>
-                <a:latin typeface="+mn-lt"/>
-              </a:rPr>
-              <a:t> versus </a:t>
-            </a:r>
-            <a:r>
-              <a:rPr lang="en-US" sz="2400" dirty="0">
-                <a:solidFill>
-                  <a:schemeClr val="tx1"/>
-                </a:solidFill>
-                <a:latin typeface="+mn-lt"/>
-              </a:rPr>
-              <a:t>the Microsoft Cognitive Toolkit, which </a:t>
-            </a:r>
-            <a:r>
-              <a:rPr lang="en-US" sz="2400" dirty="0" smtClean="0">
-                <a:solidFill>
-                  <a:schemeClr val="tx1"/>
-                </a:solidFill>
-                <a:latin typeface="+mn-lt"/>
-              </a:rPr>
-              <a:t>is why it may </a:t>
-            </a:r>
-            <a:r>
-              <a:rPr lang="en-US" sz="2400" dirty="0">
-                <a:solidFill>
-                  <a:schemeClr val="tx1"/>
-                </a:solidFill>
-                <a:latin typeface="+mn-lt"/>
-              </a:rPr>
-              <a:t>be a good reason to start with </a:t>
-            </a:r>
-            <a:r>
-              <a:rPr lang="en-US" sz="2400" dirty="0" err="1" smtClean="0">
+              <a:t> versus the Microsoft Cognitive Toolkit, which is why it may be a good reason to start with </a:t>
+            </a:r>
+            <a:r>
+              <a:rPr lang="en-US" sz="2400" dirty="0" err="1">
                 <a:solidFill>
                   <a:schemeClr val="tx1"/>
                 </a:solidFill>
@@ -23734,15 +22845,6 @@
                 <a:cs typeface="Segoe UI" panose="020B0502040204020203" pitchFamily="34" charset="0"/>
               </a:rPr>
               <a:t>Customer quote</a:t>
-            </a:r>
-            <a:r>
-              <a:rPr lang="en-US" dirty="0">
-                <a:solidFill>
-                  <a:schemeClr val="tx1"/>
-                </a:solidFill>
-                <a:latin typeface="Segoe UI" panose="020B0502040204020203" pitchFamily="34" charset="0"/>
-              </a:rPr>
-              <a:t/>
             </a:r>
             <a:br>
               <a:rPr lang="en-US" dirty="0">
@@ -23961,15 +23063,6 @@
               </a:rPr>
               <a:t>Customer situation</a:t>
             </a:r>
-            <a:r>
-              <a:rPr lang="en-US" dirty="0">
-                <a:solidFill>
-                  <a:schemeClr val="tx1"/>
-                </a:solidFill>
-                <a:latin typeface="Segoe UI" panose="020B0502040204020203" pitchFamily="34" charset="0"/>
-              </a:rPr>
-              <a:t/>
-            </a:r>
             <a:br>
               <a:rPr lang="en-US" dirty="0">
                 <a:solidFill>
@@ -24021,15 +23114,6 @@
               </a:rPr>
               <a:t>Contoso Ltd, operating in the United States, provides insurance packages for U.S. consumers. They are:</a:t>
             </a:r>
-            <a:r>
-              <a:rPr lang="en-US" sz="2800" dirty="0">
-                <a:solidFill>
-                  <a:schemeClr val="tx1"/>
-                </a:solidFill>
-                <a:latin typeface="+mn-lt"/>
-              </a:rPr>
-              <a:t/>
-            </a:r>
             <a:br>
               <a:rPr lang="en-US" sz="2800" dirty="0">
                 <a:solidFill>
@@ -24053,22 +23137,7 @@
                 </a:solidFill>
                 <a:latin typeface="+mn-lt"/>
               </a:rPr>
-              <a:t>Looking to build a next-generation platform for its insurance </a:t>
-            </a:r>
-            <a:r>
-              <a:rPr lang="en-US" sz="2400" dirty="0" smtClean="0">
-                <a:solidFill>
-                  <a:schemeClr val="tx1"/>
-                </a:solidFill>
-                <a:latin typeface="+mn-lt"/>
-              </a:rPr>
-              <a:t>products</a:t>
-            </a:r>
-            <a:r>
-              <a:rPr lang="en-US" sz="2400" dirty="0">
-                <a:latin typeface="+mn-lt"/>
-              </a:rPr>
-              <a:t/>
+              <a:t>Looking to build a next-generation platform for its insurance products</a:t>
             </a:r>
             <a:br>
               <a:rPr lang="en-US" sz="2400" dirty="0">
@@ -24087,22 +23156,7 @@
                 </a:solidFill>
                 <a:latin typeface="+mn-lt"/>
               </a:rPr>
-              <a:t>Have identified claims processing as the area of </a:t>
-            </a:r>
-            <a:r>
-              <a:rPr lang="en-US" sz="2400" dirty="0" smtClean="0">
-                <a:solidFill>
-                  <a:schemeClr val="tx1"/>
-                </a:solidFill>
-                <a:latin typeface="+mn-lt"/>
-              </a:rPr>
-              <a:t>focus</a:t>
-            </a:r>
-            <a:r>
-              <a:rPr lang="en-US" sz="2400" dirty="0">
-                <a:latin typeface="+mn-lt"/>
-              </a:rPr>
-              <a:t/>
+              <a:t>Have identified claims processing as the area of focus</a:t>
             </a:r>
             <a:br>
               <a:rPr lang="en-US" sz="2400" dirty="0">
@@ -24121,25 +23175,7 @@
                 </a:solidFill>
                 <a:latin typeface="+mn-lt"/>
               </a:rPr>
-              <a:t>Concerned that it currently takes significant time for an agent to read through and process the content submitted with each </a:t>
-            </a:r>
-            <a:r>
-              <a:rPr lang="en-US" sz="2400" dirty="0" smtClean="0">
-                <a:solidFill>
-                  <a:schemeClr val="tx1"/>
-                </a:solidFill>
-                <a:latin typeface="+mn-lt"/>
-              </a:rPr>
-              <a:t>claim</a:t>
-            </a:r>
-            <a:r>
-              <a:rPr lang="en-US" sz="2400" dirty="0">
-                <a:solidFill>
-                  <a:schemeClr val="tx1"/>
-                </a:solidFill>
-                <a:latin typeface="+mn-lt"/>
-              </a:rPr>
-              <a:t/>
+              <a:t>Concerned that it currently takes significant time for an agent to read through and process the content submitted with each claim</a:t>
             </a:r>
             <a:br>
               <a:rPr lang="en-US" sz="2400" dirty="0">
@@ -24164,25 +23200,7 @@
                 </a:solidFill>
                 <a:latin typeface="+mn-lt"/>
               </a:rPr>
-              <a:t>Finding that it is difficult for agents to find particular claim artifacts when returning to a claim after a </a:t>
-            </a:r>
-            <a:r>
-              <a:rPr lang="en-US" sz="2400" dirty="0" smtClean="0">
-                <a:solidFill>
-                  <a:schemeClr val="tx1"/>
-                </a:solidFill>
-                <a:latin typeface="+mn-lt"/>
-              </a:rPr>
-              <a:t>while</a:t>
-            </a:r>
-            <a:r>
-              <a:rPr lang="en-US" sz="2400" dirty="0">
-                <a:solidFill>
-                  <a:schemeClr val="tx1"/>
-                </a:solidFill>
-                <a:latin typeface="+mn-lt"/>
-              </a:rPr>
-              <a:t/>
+              <a:t>Finding that it is difficult for agents to find particular claim artifacts when returning to a claim after a while</a:t>
             </a:r>
             <a:br>
               <a:rPr lang="en-US" sz="2400" dirty="0">
@@ -24192,15 +23210,6 @@
                 <a:latin typeface="+mn-lt"/>
               </a:rPr>
             </a:br>
-            <a:r>
-              <a:rPr lang="en-US" sz="2400" dirty="0">
-                <a:solidFill>
-                  <a:schemeClr val="tx1"/>
-                </a:solidFill>
-                <a:latin typeface="+mn-lt"/>
-              </a:rPr>
-              <a:t/>
-            </a:r>
             <a:br>
               <a:rPr lang="en-US" sz="2400" dirty="0">
                 <a:solidFill>
@@ -24209,15 +23218,6 @@
                 <a:latin typeface="+mn-lt"/>
               </a:rPr>
             </a:br>
-            <a:r>
-              <a:rPr lang="en-US" sz="2400" dirty="0">
-                <a:solidFill>
-                  <a:schemeClr val="tx1"/>
-                </a:solidFill>
-                <a:latin typeface="+mn-lt"/>
-              </a:rPr>
-              <a:t/>
-            </a:r>
             <a:br>
               <a:rPr lang="en-US" sz="2400" dirty="0">
                 <a:solidFill>
@@ -24276,7 +23276,7 @@
                   <a14:useLocalDpi xmlns:a14="http://schemas.microsoft.com/office/drawing/2010/main" val="0"/>
                 </a:ext>
                 <a:ext uri="{96DAC541-7B7A-43D3-8B79-37D633B846F1}">
-                  <asvg:svgBlip xmlns:asvg="http://schemas.microsoft.com/office/drawing/2016/SVG/main" xmlns="" r:embed="rId4"/>
+                  <asvg:svgBlip xmlns:asvg="http://schemas.microsoft.com/office/drawing/2016/SVG/main" r:embed="rId4"/>
                 </a:ext>
               </a:extLst>
             </a:blip>
@@ -24315,7 +23315,7 @@
                   <a14:useLocalDpi xmlns:a14="http://schemas.microsoft.com/office/drawing/2010/main" val="0"/>
                 </a:ext>
                 <a:ext uri="{96DAC541-7B7A-43D3-8B79-37D633B846F1}">
-                  <asvg:svgBlip xmlns:asvg="http://schemas.microsoft.com/office/drawing/2016/SVG/main" xmlns="" r:embed="rId6"/>
+                  <asvg:svgBlip xmlns:asvg="http://schemas.microsoft.com/office/drawing/2016/SVG/main" r:embed="rId6"/>
                 </a:ext>
               </a:extLst>
             </a:blip>
@@ -24398,15 +23398,6 @@
               </a:rPr>
               <a:t>Customer situation</a:t>
             </a:r>
-            <a:r>
-              <a:rPr lang="en-US" dirty="0">
-                <a:solidFill>
-                  <a:schemeClr val="tx1"/>
-                </a:solidFill>
-                <a:latin typeface="Segoe UI" panose="020B0502040204020203" pitchFamily="34" charset="0"/>
-              </a:rPr>
-              <a:t/>
-            </a:r>
             <a:br>
               <a:rPr lang="en-US" dirty="0">
                 <a:solidFill>
@@ -24452,10 +23443,6 @@
             <a:r>
               <a:rPr lang="en-US" sz="3600" dirty="0"/>
               <a:t>Two sets of issues where they envision amplifying the capabilities of their agents with AI:</a:t>
-            </a:r>
-            <a:r>
-              <a:rPr lang="en-US" sz="2800" dirty="0"/>
-              <a:t/>
             </a:r>
             <a:br>
               <a:rPr lang="en-US" sz="2800" dirty="0"/>
@@ -24741,10 +23728,6 @@
               <a:rPr lang="en-US" sz="2400" dirty="0"/>
               <a:t>Summarize long claim text</a:t>
             </a:r>
-            <a:r>
-              <a:rPr lang="en-US" sz="2000" dirty="0"/>
-              <a:t/>
-            </a:r>
             <a:br>
               <a:rPr lang="en-US" sz="2000" dirty="0"/>
             </a:br>
@@ -24778,21 +23761,9 @@
               <a:rPr lang="en-US" sz="2400" dirty="0"/>
               <a:t>Extracting any text in the image</a:t>
             </a:r>
-            <a:r>
-              <a:rPr lang="en-US" sz="1232" dirty="0"/>
-              <a:t/>
-            </a:r>
             <a:br>
               <a:rPr lang="en-US" sz="1232" dirty="0"/>
             </a:br>
-            <a:r>
-              <a:rPr lang="en-US" sz="1232" dirty="0">
-                <a:solidFill>
-                  <a:schemeClr val="tx1"/>
-                </a:solidFill>
-              </a:rPr>
-              <a:t/>
-            </a:r>
             <a:br>
               <a:rPr lang="en-US" sz="1232" dirty="0">
                 <a:solidFill>
@@ -24800,14 +23771,6 @@
                 </a:solidFill>
               </a:rPr>
             </a:br>
-            <a:r>
-              <a:rPr lang="en-US" sz="1232" dirty="0">
-                <a:solidFill>
-                  <a:schemeClr val="tx1"/>
-                </a:solidFill>
-              </a:rPr>
-              <a:t/>
-            </a:r>
             <a:br>
               <a:rPr lang="en-US" sz="1232" dirty="0">
                 <a:solidFill>
@@ -24844,7 +23807,7 @@
                 <a14:useLocalDpi xmlns:a14="http://schemas.microsoft.com/office/drawing/2010/main" val="0"/>
               </a:ext>
               <a:ext uri="{96DAC541-7B7A-43D3-8B79-37D633B846F1}">
-                <asvg:svgBlip xmlns:asvg="http://schemas.microsoft.com/office/drawing/2016/SVG/main" xmlns="" r:embed="rId4"/>
+                <asvg:svgBlip xmlns:asvg="http://schemas.microsoft.com/office/drawing/2016/SVG/main" r:embed="rId4"/>
               </a:ext>
             </a:extLst>
           </a:blip>
@@ -24883,7 +23846,7 @@
                 <a14:useLocalDpi xmlns:a14="http://schemas.microsoft.com/office/drawing/2010/main" val="0"/>
               </a:ext>
               <a:ext uri="{96DAC541-7B7A-43D3-8B79-37D633B846F1}">
-                <asvg:svgBlip xmlns:asvg="http://schemas.microsoft.com/office/drawing/2016/SVG/main" xmlns="" r:embed="rId6"/>
+                <asvg:svgBlip xmlns:asvg="http://schemas.microsoft.com/office/drawing/2016/SVG/main" r:embed="rId6"/>
               </a:ext>
             </a:extLst>
           </a:blip>
@@ -24965,15 +23928,6 @@
               </a:rPr>
               <a:t>Customer needs</a:t>
             </a:r>
-            <a:r>
-              <a:rPr lang="en-US" dirty="0">
-                <a:solidFill>
-                  <a:schemeClr val="tx1"/>
-                </a:solidFill>
-                <a:latin typeface="Segoe UI" panose="020B0502040204020203" pitchFamily="34" charset="0"/>
-              </a:rPr>
-              <a:t/>
-            </a:r>
             <a:br>
               <a:rPr lang="en-US" dirty="0">
                 <a:solidFill>
@@ -25030,31 +23984,7 @@
               <a:rPr lang="en-US" sz="2400" dirty="0">
                 <a:latin typeface="+mn-lt"/>
               </a:rPr>
-              <a:t>We need a solution that can “look” at a photo and give us a description of the content of the </a:t>
-            </a:r>
-            <a:r>
-              <a:rPr lang="en-US" sz="2400" dirty="0" smtClean="0">
-                <a:latin typeface="+mn-lt"/>
-              </a:rPr>
-              <a:t>photo, and </a:t>
-            </a:r>
-            <a:r>
-              <a:rPr lang="en-US" sz="2400" dirty="0">
-                <a:latin typeface="+mn-lt"/>
-              </a:rPr>
-              <a:t>tag the photo with keywords so agents can more easily find and refer to the photo </a:t>
-            </a:r>
-            <a:r>
-              <a:rPr lang="en-US" sz="2400" dirty="0" smtClean="0">
-                <a:latin typeface="+mn-lt"/>
-              </a:rPr>
-              <a:t>later</a:t>
-            </a:r>
-            <a:r>
-              <a:rPr lang="en-US" sz="2400" dirty="0">
-                <a:latin typeface="+mn-lt"/>
-              </a:rPr>
-              <a:t/>
+              <a:t>We need a solution that can “look” at a photo and give us a description of the content of the photo, and tag the photo with keywords so agents can more easily find and refer to the photo later</a:t>
             </a:r>
             <a:br>
               <a:rPr lang="en-US" sz="2400" dirty="0">
@@ -25191,21 +24121,7 @@
                 <a:latin typeface="+mn-lt"/>
                 <a:cs typeface="Segoe UI Light" panose="020B0502040204020203" pitchFamily="34" charset="0"/>
               </a:rPr>
-              <a:t>We are skeptical about all the hype surrounding these “AI” solutions. It’s hard to know what is feasible versus what </a:t>
-            </a:r>
-            <a:r>
-              <a:rPr lang="en-US" sz="2800" dirty="0" smtClean="0">
-                <a:latin typeface="+mn-lt"/>
-                <a:cs typeface="Segoe UI Light" panose="020B0502040204020203" pitchFamily="34" charset="0"/>
-              </a:rPr>
-              <a:t>is not </a:t>
-            </a:r>
-            <a:r>
-              <a:rPr lang="en-US" sz="2800" dirty="0">
-                <a:latin typeface="+mn-lt"/>
-                <a:cs typeface="Segoe UI Light" panose="020B0502040204020203" pitchFamily="34" charset="0"/>
-              </a:rPr>
-              <a:t>possible with today’s technology and Azure.</a:t>
+              <a:t>We are skeptical about all the hype surrounding these “AI” solutions. It’s hard to know what is feasible versus what is not possible with today’s technology and Azure.</a:t>
             </a:r>
             <a:br>
               <a:rPr lang="en-US" sz="2800" dirty="0">
@@ -25245,21 +24161,7 @@
                 <a:latin typeface="+mn-lt"/>
                 <a:cs typeface="Segoe UI Light" panose="020B0502040204020203" pitchFamily="34" charset="0"/>
               </a:rPr>
-              <a:t>We expect some part of our solution would require deep </a:t>
-            </a:r>
-            <a:r>
-              <a:rPr lang="en-US" sz="2800" dirty="0" smtClean="0">
-                <a:latin typeface="+mn-lt"/>
-                <a:cs typeface="Segoe UI Light" panose="020B0502040204020203" pitchFamily="34" charset="0"/>
-              </a:rPr>
-              <a:t>learning; do </a:t>
-            </a:r>
-            <a:r>
-              <a:rPr lang="en-US" sz="2800" dirty="0">
-                <a:latin typeface="+mn-lt"/>
-                <a:cs typeface="Segoe UI Light" panose="020B0502040204020203" pitchFamily="34" charset="0"/>
-              </a:rPr>
-              <a:t>you have any prescriptive guidance on how we might choose between investing in learning and using TensorFlow or the Microsoft Cognitive Toolkit (CNTK)?</a:t>
+              <a:t>We expect some part of our solution would require deep learning; do you have any prescriptive guidance on how we might choose between investing in learning and using TensorFlow or the Microsoft Cognitive Toolkit (CNTK)?</a:t>
             </a:r>
           </a:p>
           <a:p>
@@ -25340,15 +24242,6 @@
                 <a:cs typeface="Segoe UI" panose="020B0502040204020203" pitchFamily="34" charset="0"/>
               </a:rPr>
               <a:t>Common scenarios</a:t>
-            </a:r>
-            <a:r>
-              <a:rPr lang="en-US" dirty="0">
-                <a:solidFill>
-                  <a:schemeClr val="tx1"/>
-                </a:solidFill>
-                <a:latin typeface="Segoe UI" panose="020B0502040204020203" pitchFamily="34" charset="0"/>
-              </a:rPr>
-              <a:t/>
             </a:r>
             <a:br>
               <a:rPr lang="en-US" dirty="0">
@@ -25459,16 +24352,7 @@
                 </a:solidFill>
                 <a:cs typeface="Segoe UI" panose="020B0502040204020203" pitchFamily="34" charset="0"/>
               </a:rPr>
-              <a:t>Common </a:t>
-            </a:r>
-            <a:r>
-              <a:rPr lang="en-US" sz="4900" dirty="0" smtClean="0">
-                <a:solidFill>
-                  <a:schemeClr val="tx1"/>
-                </a:solidFill>
-                <a:cs typeface="Segoe UI" panose="020B0502040204020203" pitchFamily="34" charset="0"/>
-              </a:rPr>
-              <a:t>scenarios</a:t>
+              <a:t>Common scenarios</a:t>
             </a:r>
             <a:endParaRPr lang="en-US" sz="3236" dirty="0">
               <a:solidFill>
